--- a/documentation/banner/banner_sbesc.pptx
+++ b/documentation/banner/banner_sbesc.pptx
@@ -4136,7 +4136,21 @@
                 <a:latin typeface="Times New Roman" pitchFamily="18" charset="0"/>
                 <a:cs typeface="Times New Roman" pitchFamily="18" charset="0"/>
               </a:rPr>
-              <a:t>andrei.ufu@gmail.com, dtgmariano@gmail.com.br, nicolailinhares@gmail.com,</a:t>
+              <a:t>andrei.ufu@gmail.com, </a:t>
+            </a:r>
+            <a:r>
+              <a:rPr lang="pt-BR" sz="4700" b="1" dirty="0" smtClean="0">
+                <a:latin typeface="Times New Roman" pitchFamily="18" charset="0"/>
+                <a:cs typeface="Times New Roman" pitchFamily="18" charset="0"/>
+              </a:rPr>
+              <a:t>dtgmariano@gmail.com, </a:t>
+            </a:r>
+            <a:r>
+              <a:rPr lang="pt-BR" sz="4700" b="1" dirty="0" smtClean="0">
+                <a:latin typeface="Times New Roman" pitchFamily="18" charset="0"/>
+                <a:cs typeface="Times New Roman" pitchFamily="18" charset="0"/>
+              </a:rPr>
+              <a:t>nicolailinhares@gmail.com,</a:t>
             </a:r>
             <a:endParaRPr lang="pt-BR" sz="4700" dirty="0">
               <a:latin typeface="Times New Roman" pitchFamily="18" charset="0"/>
@@ -4259,7 +4273,7 @@
                   <a:latin typeface="Arial" pitchFamily="34" charset="0"/>
                   <a:cs typeface="Arial" pitchFamily="34" charset="0"/>
                 </a:rPr>
-                <a:t>METHODOLGY</a:t>
+                <a:t>METHODOLOGY</a:t>
               </a:r>
               <a:endParaRPr lang="pt-BR" sz="4700" b="1" dirty="0">
                 <a:solidFill>
@@ -4280,7 +4294,7 @@
         </p:nvGrpSpPr>
         <p:grpSpPr>
           <a:xfrm>
-            <a:off x="16925335" y="35621277"/>
+            <a:off x="17237723" y="35701456"/>
             <a:ext cx="14581620" cy="864096"/>
             <a:chOff x="720280" y="7201050"/>
             <a:chExt cx="12961440" cy="720080"/>
@@ -4528,133 +4542,6 @@
       </p:grpSp>
       <p:grpSp>
         <p:nvGrpSpPr>
-          <p:cNvPr id="29" name="Grupo 28"/>
-          <p:cNvGrpSpPr/>
-          <p:nvPr/>
-        </p:nvGrpSpPr>
-        <p:grpSpPr>
-          <a:xfrm>
-            <a:off x="17326448" y="26109641"/>
-            <a:ext cx="14636284" cy="1058598"/>
-            <a:chOff x="720280" y="7201050"/>
-            <a:chExt cx="13010030" cy="882165"/>
-          </a:xfrm>
-          <a:gradFill flip="none" rotWithShape="1">
-            <a:gsLst>
-              <a:gs pos="0">
-                <a:srgbClr val="6FA0DB"/>
-              </a:gs>
-              <a:gs pos="100000">
-                <a:schemeClr val="tx2">
-                  <a:lumMod val="40000"/>
-                  <a:lumOff val="60000"/>
-                </a:schemeClr>
-              </a:gs>
-              <a:gs pos="100000">
-                <a:schemeClr val="accent1">
-                  <a:tint val="23500"/>
-                  <a:satMod val="160000"/>
-                </a:schemeClr>
-              </a:gs>
-            </a:gsLst>
-            <a:lin ang="5400000" scaled="1"/>
-            <a:tileRect/>
-          </a:gradFill>
-          <a:effectLst/>
-        </p:grpSpPr>
-        <p:sp>
-          <p:nvSpPr>
-            <p:cNvPr id="30" name="Retângulo 29"/>
-            <p:cNvSpPr/>
-            <p:nvPr/>
-          </p:nvSpPr>
-          <p:spPr>
-            <a:xfrm>
-              <a:off x="720280" y="7201050"/>
-              <a:ext cx="12961440" cy="720080"/>
-            </a:xfrm>
-            <a:prstGeom prst="rect">
-              <a:avLst/>
-            </a:prstGeom>
-            <a:grpFill/>
-            <a:ln>
-              <a:noFill/>
-            </a:ln>
-          </p:spPr>
-          <p:style>
-            <a:lnRef idx="2">
-              <a:schemeClr val="accent1">
-                <a:shade val="50000"/>
-              </a:schemeClr>
-            </a:lnRef>
-            <a:fillRef idx="1">
-              <a:schemeClr val="accent1"/>
-            </a:fillRef>
-            <a:effectRef idx="0">
-              <a:schemeClr val="accent1"/>
-            </a:effectRef>
-            <a:fontRef idx="minor">
-              <a:schemeClr val="lt1"/>
-            </a:fontRef>
-          </p:style>
-          <p:txBody>
-            <a:bodyPr rtlCol="0" anchor="ctr"/>
-            <a:lstStyle/>
-            <a:p>
-              <a:pPr algn="ctr"/>
-              <a:endParaRPr lang="pt-BR"/>
-            </a:p>
-          </p:txBody>
-        </p:sp>
-        <p:sp>
-          <p:nvSpPr>
-            <p:cNvPr id="31" name="CaixaDeTexto 30"/>
-            <p:cNvSpPr txBox="1"/>
-            <p:nvPr/>
-          </p:nvSpPr>
-          <p:spPr>
-            <a:xfrm>
-              <a:off x="768870" y="7403542"/>
-              <a:ext cx="12961440" cy="679673"/>
-            </a:xfrm>
-            <a:prstGeom prst="rect">
-              <a:avLst/>
-            </a:prstGeom>
-            <a:grpFill/>
-            <a:ln>
-              <a:noFill/>
-            </a:ln>
-          </p:spPr>
-          <p:txBody>
-            <a:bodyPr wrap="square" rtlCol="0">
-              <a:spAutoFit/>
-            </a:bodyPr>
-            <a:lstStyle/>
-            <a:p>
-              <a:pPr algn="ctr"/>
-              <a:r>
-                <a:rPr lang="pt-BR" sz="4700" b="1" dirty="0" smtClean="0">
-                  <a:solidFill>
-                    <a:schemeClr val="bg1"/>
-                  </a:solidFill>
-                  <a:latin typeface="Arial" pitchFamily="34" charset="0"/>
-                  <a:cs typeface="Arial" pitchFamily="34" charset="0"/>
-                </a:rPr>
-                <a:t>DISCUSSION AND CONCLUSION</a:t>
-              </a:r>
-              <a:endParaRPr lang="pt-BR" sz="4700" b="1" dirty="0">
-                <a:solidFill>
-                  <a:schemeClr val="bg1"/>
-                </a:solidFill>
-                <a:latin typeface="Arial" pitchFamily="34" charset="0"/>
-                <a:cs typeface="Arial" pitchFamily="34" charset="0"/>
-              </a:endParaRPr>
-            </a:p>
-          </p:txBody>
-        </p:sp>
-      </p:grpSp>
-      <p:grpSp>
-        <p:nvGrpSpPr>
           <p:cNvPr id="32" name="Grupo 31"/>
           <p:cNvGrpSpPr/>
           <p:nvPr/>
@@ -4788,8 +4675,8 @@
         </p:nvSpPr>
         <p:spPr>
           <a:xfrm>
-            <a:off x="978100" y="9016382"/>
-            <a:ext cx="14573572" cy="5493806"/>
+            <a:off x="756994" y="9057056"/>
+            <a:ext cx="14558135" cy="4955197"/>
           </a:xfrm>
           <a:prstGeom prst="rect">
             <a:avLst/>
@@ -5172,6 +5059,258 @@
                 <a:latin typeface="Arial" pitchFamily="34" charset="0"/>
                 <a:cs typeface="Arial" pitchFamily="34" charset="0"/>
               </a:rPr>
+              <a:t>patients</a:t>
+            </a:r>
+            <a:r>
+              <a:rPr lang="pt-BR" sz="3500" dirty="0" smtClean="0">
+                <a:latin typeface="Arial" pitchFamily="34" charset="0"/>
+                <a:cs typeface="Arial" pitchFamily="34" charset="0"/>
+              </a:rPr>
+              <a:t> </a:t>
+            </a:r>
+            <a:r>
+              <a:rPr lang="pt-BR" sz="3500" dirty="0" err="1" smtClean="0">
+                <a:latin typeface="Arial" pitchFamily="34" charset="0"/>
+                <a:cs typeface="Arial" pitchFamily="34" charset="0"/>
+              </a:rPr>
+              <a:t>such</a:t>
+            </a:r>
+            <a:r>
+              <a:rPr lang="pt-BR" sz="3500" dirty="0" smtClean="0">
+                <a:latin typeface="Arial" pitchFamily="34" charset="0"/>
+                <a:cs typeface="Arial" pitchFamily="34" charset="0"/>
+              </a:rPr>
+              <a:t> as </a:t>
+            </a:r>
+            <a:r>
+              <a:rPr lang="pt-BR" sz="3500" dirty="0" err="1" smtClean="0">
+                <a:latin typeface="Arial" pitchFamily="34" charset="0"/>
+                <a:cs typeface="Arial" pitchFamily="34" charset="0"/>
+              </a:rPr>
+              <a:t>multiparameter</a:t>
+            </a:r>
+            <a:r>
+              <a:rPr lang="pt-BR" sz="3500" dirty="0" smtClean="0">
+                <a:latin typeface="Arial" pitchFamily="34" charset="0"/>
+                <a:cs typeface="Arial" pitchFamily="34" charset="0"/>
+              </a:rPr>
+              <a:t> </a:t>
+            </a:r>
+            <a:r>
+              <a:rPr lang="pt-BR" sz="3500" dirty="0" err="1" smtClean="0">
+                <a:latin typeface="Arial" pitchFamily="34" charset="0"/>
+                <a:cs typeface="Arial" pitchFamily="34" charset="0"/>
+              </a:rPr>
+              <a:t>monitors</a:t>
+            </a:r>
+            <a:r>
+              <a:rPr lang="pt-BR" sz="3500" dirty="0" smtClean="0">
+                <a:latin typeface="Arial" pitchFamily="34" charset="0"/>
+                <a:cs typeface="Arial" pitchFamily="34" charset="0"/>
+              </a:rPr>
+              <a:t>, </a:t>
+            </a:r>
+            <a:r>
+              <a:rPr lang="pt-BR" sz="3500" dirty="0" err="1" smtClean="0">
+                <a:latin typeface="Arial" pitchFamily="34" charset="0"/>
+                <a:cs typeface="Arial" pitchFamily="34" charset="0"/>
+              </a:rPr>
+              <a:t>mechanical</a:t>
+            </a:r>
+            <a:r>
+              <a:rPr lang="pt-BR" sz="3500" dirty="0" smtClean="0">
+                <a:latin typeface="Arial" pitchFamily="34" charset="0"/>
+                <a:cs typeface="Arial" pitchFamily="34" charset="0"/>
+              </a:rPr>
+              <a:t> </a:t>
+            </a:r>
+            <a:r>
+              <a:rPr lang="pt-BR" sz="3500" dirty="0" err="1" smtClean="0">
+                <a:latin typeface="Arial" pitchFamily="34" charset="0"/>
+                <a:cs typeface="Arial" pitchFamily="34" charset="0"/>
+              </a:rPr>
+              <a:t>ventilators</a:t>
+            </a:r>
+            <a:r>
+              <a:rPr lang="pt-BR" sz="3500" dirty="0" smtClean="0">
+                <a:latin typeface="Arial" pitchFamily="34" charset="0"/>
+                <a:cs typeface="Arial" pitchFamily="34" charset="0"/>
+              </a:rPr>
+              <a:t> </a:t>
+            </a:r>
+            <a:r>
+              <a:rPr lang="pt-BR" sz="3500" dirty="0" err="1" smtClean="0">
+                <a:latin typeface="Arial" pitchFamily="34" charset="0"/>
+                <a:cs typeface="Arial" pitchFamily="34" charset="0"/>
+              </a:rPr>
+              <a:t>and</a:t>
+            </a:r>
+            <a:r>
+              <a:rPr lang="pt-BR" sz="3500" dirty="0" smtClean="0">
+                <a:latin typeface="Arial" pitchFamily="34" charset="0"/>
+                <a:cs typeface="Arial" pitchFamily="34" charset="0"/>
+              </a:rPr>
+              <a:t> </a:t>
+            </a:r>
+            <a:r>
+              <a:rPr lang="pt-BR" sz="3500" dirty="0" err="1" smtClean="0">
+                <a:latin typeface="Arial" pitchFamily="34" charset="0"/>
+                <a:cs typeface="Arial" pitchFamily="34" charset="0"/>
+              </a:rPr>
+              <a:t>infusion</a:t>
+            </a:r>
+            <a:r>
+              <a:rPr lang="pt-BR" sz="3500" dirty="0" smtClean="0">
+                <a:latin typeface="Arial" pitchFamily="34" charset="0"/>
+                <a:cs typeface="Arial" pitchFamily="34" charset="0"/>
+              </a:rPr>
+              <a:t> </a:t>
+            </a:r>
+            <a:r>
+              <a:rPr lang="pt-BR" sz="3500" dirty="0" err="1" smtClean="0">
+                <a:latin typeface="Arial" pitchFamily="34" charset="0"/>
+                <a:cs typeface="Arial" pitchFamily="34" charset="0"/>
+              </a:rPr>
+              <a:t>pumps</a:t>
+            </a:r>
+            <a:r>
+              <a:rPr lang="pt-BR" sz="3500" dirty="0" smtClean="0">
+                <a:latin typeface="Arial" pitchFamily="34" charset="0"/>
+                <a:cs typeface="Arial" pitchFamily="34" charset="0"/>
+              </a:rPr>
+              <a:t>, for </a:t>
+            </a:r>
+            <a:r>
+              <a:rPr lang="pt-BR" sz="3500" dirty="0" err="1" smtClean="0">
+                <a:latin typeface="Arial" pitchFamily="34" charset="0"/>
+                <a:cs typeface="Arial" pitchFamily="34" charset="0"/>
+              </a:rPr>
+              <a:t>instance</a:t>
+            </a:r>
+            <a:r>
+              <a:rPr lang="pt-BR" sz="3500" dirty="0" smtClean="0">
+                <a:latin typeface="Arial" pitchFamily="34" charset="0"/>
+                <a:cs typeface="Arial" pitchFamily="34" charset="0"/>
+              </a:rPr>
+              <a:t>. </a:t>
+            </a:r>
+            <a:r>
+              <a:rPr lang="pt-BR" sz="3500" dirty="0" err="1" smtClean="0">
+                <a:latin typeface="Arial" pitchFamily="34" charset="0"/>
+                <a:cs typeface="Arial" pitchFamily="34" charset="0"/>
+              </a:rPr>
+              <a:t>Thus</a:t>
+            </a:r>
+            <a:r>
+              <a:rPr lang="pt-BR" sz="3500" dirty="0" smtClean="0">
+                <a:latin typeface="Arial" pitchFamily="34" charset="0"/>
+                <a:cs typeface="Arial" pitchFamily="34" charset="0"/>
+              </a:rPr>
+              <a:t>, it </a:t>
+            </a:r>
+            <a:r>
+              <a:rPr lang="pt-BR" sz="3500" dirty="0" err="1" smtClean="0">
+                <a:latin typeface="Arial" pitchFamily="34" charset="0"/>
+                <a:cs typeface="Arial" pitchFamily="34" charset="0"/>
+              </a:rPr>
+              <a:t>is</a:t>
+            </a:r>
+            <a:r>
+              <a:rPr lang="pt-BR" sz="3500" dirty="0" smtClean="0">
+                <a:latin typeface="Arial" pitchFamily="34" charset="0"/>
+                <a:cs typeface="Arial" pitchFamily="34" charset="0"/>
+              </a:rPr>
+              <a:t> a </a:t>
+            </a:r>
+            <a:r>
+              <a:rPr lang="pt-BR" sz="3500" dirty="0" err="1" smtClean="0">
+                <a:latin typeface="Arial" pitchFamily="34" charset="0"/>
+                <a:cs typeface="Arial" pitchFamily="34" charset="0"/>
+              </a:rPr>
+              <a:t>rather</a:t>
+            </a:r>
+            <a:r>
+              <a:rPr lang="pt-BR" sz="3500" dirty="0" smtClean="0">
+                <a:latin typeface="Arial" pitchFamily="34" charset="0"/>
+                <a:cs typeface="Arial" pitchFamily="34" charset="0"/>
+              </a:rPr>
+              <a:t> </a:t>
+            </a:r>
+            <a:r>
+              <a:rPr lang="pt-BR" sz="3500" dirty="0" err="1" smtClean="0">
+                <a:latin typeface="Arial" pitchFamily="34" charset="0"/>
+                <a:cs typeface="Arial" pitchFamily="34" charset="0"/>
+              </a:rPr>
+              <a:t>complex</a:t>
+            </a:r>
+            <a:r>
+              <a:rPr lang="pt-BR" sz="3500" dirty="0" smtClean="0">
+                <a:latin typeface="Arial" pitchFamily="34" charset="0"/>
+                <a:cs typeface="Arial" pitchFamily="34" charset="0"/>
+              </a:rPr>
+              <a:t> </a:t>
+            </a:r>
+            <a:r>
+              <a:rPr lang="pt-BR" sz="3500" dirty="0" err="1" smtClean="0">
+                <a:latin typeface="Arial" pitchFamily="34" charset="0"/>
+                <a:cs typeface="Arial" pitchFamily="34" charset="0"/>
+              </a:rPr>
+              <a:t>task</a:t>
+            </a:r>
+            <a:r>
+              <a:rPr lang="pt-BR" sz="3500" dirty="0" smtClean="0">
+                <a:latin typeface="Arial" pitchFamily="34" charset="0"/>
+                <a:cs typeface="Arial" pitchFamily="34" charset="0"/>
+              </a:rPr>
+              <a:t> </a:t>
+            </a:r>
+            <a:r>
+              <a:rPr lang="pt-BR" sz="3500" dirty="0" err="1" smtClean="0">
+                <a:latin typeface="Arial" pitchFamily="34" charset="0"/>
+                <a:cs typeface="Arial" pitchFamily="34" charset="0"/>
+              </a:rPr>
+              <a:t>to</a:t>
+            </a:r>
+            <a:r>
+              <a:rPr lang="pt-BR" sz="3500" dirty="0" smtClean="0">
+                <a:latin typeface="Arial" pitchFamily="34" charset="0"/>
+                <a:cs typeface="Arial" pitchFamily="34" charset="0"/>
+              </a:rPr>
+              <a:t> </a:t>
+            </a:r>
+            <a:r>
+              <a:rPr lang="pt-BR" sz="3500" dirty="0" err="1" smtClean="0">
+                <a:latin typeface="Arial" pitchFamily="34" charset="0"/>
+                <a:cs typeface="Arial" pitchFamily="34" charset="0"/>
+              </a:rPr>
+              <a:t>analyze</a:t>
+            </a:r>
+            <a:r>
+              <a:rPr lang="pt-BR" sz="3500" dirty="0" smtClean="0">
+                <a:latin typeface="Arial" pitchFamily="34" charset="0"/>
+                <a:cs typeface="Arial" pitchFamily="34" charset="0"/>
+              </a:rPr>
+              <a:t> </a:t>
+            </a:r>
+            <a:r>
+              <a:rPr lang="pt-BR" sz="3500" dirty="0" err="1" smtClean="0">
+                <a:latin typeface="Arial" pitchFamily="34" charset="0"/>
+                <a:cs typeface="Arial" pitchFamily="34" charset="0"/>
+              </a:rPr>
+              <a:t>all</a:t>
+            </a:r>
+            <a:r>
+              <a:rPr lang="pt-BR" sz="3500" dirty="0" smtClean="0">
+                <a:latin typeface="Arial" pitchFamily="34" charset="0"/>
+                <a:cs typeface="Arial" pitchFamily="34" charset="0"/>
+              </a:rPr>
+              <a:t> </a:t>
+            </a:r>
+            <a:r>
+              <a:rPr lang="pt-BR" sz="3500" dirty="0" err="1" smtClean="0">
+                <a:latin typeface="Arial" pitchFamily="34" charset="0"/>
+                <a:cs typeface="Arial" pitchFamily="34" charset="0"/>
+              </a:rPr>
               <a:t>the</a:t>
             </a:r>
             <a:r>
@@ -5179,161 +5318,21 @@
                 <a:latin typeface="Arial" pitchFamily="34" charset="0"/>
                 <a:cs typeface="Arial" pitchFamily="34" charset="0"/>
               </a:rPr>
-              <a:t> </a:t>
-            </a:r>
-            <a:r>
-              <a:rPr lang="pt-BR" sz="3500" dirty="0" err="1" smtClean="0">
-                <a:latin typeface="Arial" pitchFamily="34" charset="0"/>
-                <a:cs typeface="Arial" pitchFamily="34" charset="0"/>
-              </a:rPr>
-              <a:t>patient</a:t>
-            </a:r>
-            <a:r>
-              <a:rPr lang="pt-BR" sz="3500" dirty="0" smtClean="0">
-                <a:latin typeface="Arial" pitchFamily="34" charset="0"/>
-                <a:cs typeface="Arial" pitchFamily="34" charset="0"/>
-              </a:rPr>
-              <a:t> </a:t>
-            </a:r>
-            <a:r>
-              <a:rPr lang="pt-BR" sz="3500" dirty="0" err="1" smtClean="0">
-                <a:latin typeface="Arial" pitchFamily="34" charset="0"/>
-                <a:cs typeface="Arial" pitchFamily="34" charset="0"/>
-              </a:rPr>
-              <a:t>such</a:t>
-            </a:r>
-            <a:r>
-              <a:rPr lang="pt-BR" sz="3500" dirty="0" smtClean="0">
-                <a:latin typeface="Arial" pitchFamily="34" charset="0"/>
-                <a:cs typeface="Arial" pitchFamily="34" charset="0"/>
-              </a:rPr>
-              <a:t> as </a:t>
-            </a:r>
-            <a:r>
-              <a:rPr lang="pt-BR" sz="3500" dirty="0" err="1" smtClean="0">
-                <a:latin typeface="Arial" pitchFamily="34" charset="0"/>
-                <a:cs typeface="Arial" pitchFamily="34" charset="0"/>
-              </a:rPr>
-              <a:t>multiparameter</a:t>
-            </a:r>
-            <a:r>
-              <a:rPr lang="pt-BR" sz="3500" dirty="0" smtClean="0">
-                <a:latin typeface="Arial" pitchFamily="34" charset="0"/>
-                <a:cs typeface="Arial" pitchFamily="34" charset="0"/>
-              </a:rPr>
-              <a:t> </a:t>
-            </a:r>
-            <a:r>
-              <a:rPr lang="pt-BR" sz="3500" dirty="0" err="1" smtClean="0">
-                <a:latin typeface="Arial" pitchFamily="34" charset="0"/>
-                <a:cs typeface="Arial" pitchFamily="34" charset="0"/>
-              </a:rPr>
-              <a:t>monitors</a:t>
-            </a:r>
-            <a:r>
-              <a:rPr lang="pt-BR" sz="3500" dirty="0" smtClean="0">
-                <a:latin typeface="Arial" pitchFamily="34" charset="0"/>
-                <a:cs typeface="Arial" pitchFamily="34" charset="0"/>
-              </a:rPr>
-              <a:t>, </a:t>
-            </a:r>
-            <a:r>
-              <a:rPr lang="pt-BR" sz="3500" dirty="0" err="1" smtClean="0">
-                <a:latin typeface="Arial" pitchFamily="34" charset="0"/>
-                <a:cs typeface="Arial" pitchFamily="34" charset="0"/>
-              </a:rPr>
-              <a:t>mechanical</a:t>
-            </a:r>
-            <a:r>
-              <a:rPr lang="pt-BR" sz="3500" dirty="0" smtClean="0">
-                <a:latin typeface="Arial" pitchFamily="34" charset="0"/>
-                <a:cs typeface="Arial" pitchFamily="34" charset="0"/>
-              </a:rPr>
-              <a:t> </a:t>
-            </a:r>
-            <a:r>
-              <a:rPr lang="pt-BR" sz="3500" dirty="0" err="1" smtClean="0">
-                <a:latin typeface="Arial" pitchFamily="34" charset="0"/>
-                <a:cs typeface="Arial" pitchFamily="34" charset="0"/>
-              </a:rPr>
-              <a:t>ventilators</a:t>
-            </a:r>
-            <a:r>
-              <a:rPr lang="pt-BR" sz="3500" dirty="0" smtClean="0">
-                <a:latin typeface="Arial" pitchFamily="34" charset="0"/>
-                <a:cs typeface="Arial" pitchFamily="34" charset="0"/>
-              </a:rPr>
-              <a:t> </a:t>
-            </a:r>
-            <a:r>
-              <a:rPr lang="pt-BR" sz="3500" dirty="0" err="1" smtClean="0">
-                <a:latin typeface="Arial" pitchFamily="34" charset="0"/>
-                <a:cs typeface="Arial" pitchFamily="34" charset="0"/>
-              </a:rPr>
-              <a:t>and</a:t>
-            </a:r>
-            <a:r>
-              <a:rPr lang="pt-BR" sz="3500" dirty="0" smtClean="0">
-                <a:latin typeface="Arial" pitchFamily="34" charset="0"/>
-                <a:cs typeface="Arial" pitchFamily="34" charset="0"/>
-              </a:rPr>
-              <a:t> </a:t>
-            </a:r>
-            <a:r>
-              <a:rPr lang="pt-BR" sz="3500" dirty="0" err="1" smtClean="0">
-                <a:latin typeface="Arial" pitchFamily="34" charset="0"/>
-                <a:cs typeface="Arial" pitchFamily="34" charset="0"/>
-              </a:rPr>
-              <a:t>infusion</a:t>
-            </a:r>
-            <a:r>
-              <a:rPr lang="pt-BR" sz="3500" dirty="0" smtClean="0">
-                <a:latin typeface="Arial" pitchFamily="34" charset="0"/>
-                <a:cs typeface="Arial" pitchFamily="34" charset="0"/>
-              </a:rPr>
-              <a:t> </a:t>
-            </a:r>
-            <a:r>
-              <a:rPr lang="pt-BR" sz="3500" dirty="0" err="1" smtClean="0">
-                <a:latin typeface="Arial" pitchFamily="34" charset="0"/>
-                <a:cs typeface="Arial" pitchFamily="34" charset="0"/>
-              </a:rPr>
-              <a:t>pumps</a:t>
-            </a:r>
-            <a:r>
-              <a:rPr lang="pt-BR" sz="3500" dirty="0" smtClean="0">
-                <a:latin typeface="Arial" pitchFamily="34" charset="0"/>
-                <a:cs typeface="Arial" pitchFamily="34" charset="0"/>
-              </a:rPr>
-              <a:t>, for </a:t>
-            </a:r>
-            <a:r>
-              <a:rPr lang="pt-BR" sz="3500" dirty="0" err="1" smtClean="0">
-                <a:latin typeface="Arial" pitchFamily="34" charset="0"/>
-                <a:cs typeface="Arial" pitchFamily="34" charset="0"/>
-              </a:rPr>
-              <a:t>instance</a:t>
-            </a:r>
-            <a:r>
-              <a:rPr lang="pt-BR" sz="3500" dirty="0" smtClean="0">
-                <a:latin typeface="Arial" pitchFamily="34" charset="0"/>
-                <a:cs typeface="Arial" pitchFamily="34" charset="0"/>
-              </a:rPr>
-              <a:t>. </a:t>
-            </a:r>
-            <a:r>
-              <a:rPr lang="pt-BR" sz="3500" dirty="0" err="1" smtClean="0">
-                <a:latin typeface="Arial" pitchFamily="34" charset="0"/>
-                <a:cs typeface="Arial" pitchFamily="34" charset="0"/>
-              </a:rPr>
-              <a:t>Thus</a:t>
-            </a:r>
-            <a:r>
-              <a:rPr lang="pt-BR" sz="3500" dirty="0" smtClean="0">
-                <a:latin typeface="Arial" pitchFamily="34" charset="0"/>
-                <a:cs typeface="Arial" pitchFamily="34" charset="0"/>
-              </a:rPr>
-              <a:t>, it </a:t>
+              <a:t> data </a:t>
+            </a:r>
+            <a:r>
+              <a:rPr lang="pt-BR" sz="3500" dirty="0" err="1" smtClean="0">
+                <a:latin typeface="Arial" pitchFamily="34" charset="0"/>
+                <a:cs typeface="Arial" pitchFamily="34" charset="0"/>
+              </a:rPr>
+              <a:t>that</a:t>
+            </a:r>
+            <a:r>
+              <a:rPr lang="pt-BR" sz="3500" dirty="0" smtClean="0">
+                <a:latin typeface="Arial" pitchFamily="34" charset="0"/>
+                <a:cs typeface="Arial" pitchFamily="34" charset="0"/>
+              </a:rPr>
+              <a:t> </a:t>
             </a:r>
             <a:r>
               <a:rPr lang="pt-BR" sz="3500" dirty="0" err="1" smtClean="0">
@@ -5347,132 +5346,6 @@
                 <a:latin typeface="Arial" pitchFamily="34" charset="0"/>
                 <a:cs typeface="Arial" pitchFamily="34" charset="0"/>
               </a:rPr>
-              <a:t> a </a:t>
-            </a:r>
-            <a:r>
-              <a:rPr lang="pt-BR" sz="3500" dirty="0" err="1" smtClean="0">
-                <a:latin typeface="Arial" pitchFamily="34" charset="0"/>
-                <a:cs typeface="Arial" pitchFamily="34" charset="0"/>
-              </a:rPr>
-              <a:t>rather</a:t>
-            </a:r>
-            <a:r>
-              <a:rPr lang="pt-BR" sz="3500" dirty="0" smtClean="0">
-                <a:latin typeface="Arial" pitchFamily="34" charset="0"/>
-                <a:cs typeface="Arial" pitchFamily="34" charset="0"/>
-              </a:rPr>
-              <a:t> </a:t>
-            </a:r>
-            <a:r>
-              <a:rPr lang="pt-BR" sz="3500" dirty="0" err="1" smtClean="0">
-                <a:latin typeface="Arial" pitchFamily="34" charset="0"/>
-                <a:cs typeface="Arial" pitchFamily="34" charset="0"/>
-              </a:rPr>
-              <a:t>complex</a:t>
-            </a:r>
-            <a:r>
-              <a:rPr lang="pt-BR" sz="3500" dirty="0" smtClean="0">
-                <a:latin typeface="Arial" pitchFamily="34" charset="0"/>
-                <a:cs typeface="Arial" pitchFamily="34" charset="0"/>
-              </a:rPr>
-              <a:t> </a:t>
-            </a:r>
-            <a:r>
-              <a:rPr lang="pt-BR" sz="3500" dirty="0" err="1" smtClean="0">
-                <a:latin typeface="Arial" pitchFamily="34" charset="0"/>
-                <a:cs typeface="Arial" pitchFamily="34" charset="0"/>
-              </a:rPr>
-              <a:t>task</a:t>
-            </a:r>
-            <a:r>
-              <a:rPr lang="pt-BR" sz="3500" dirty="0" smtClean="0">
-                <a:latin typeface="Arial" pitchFamily="34" charset="0"/>
-                <a:cs typeface="Arial" pitchFamily="34" charset="0"/>
-              </a:rPr>
-              <a:t> </a:t>
-            </a:r>
-            <a:r>
-              <a:rPr lang="pt-BR" sz="3500" dirty="0" err="1" smtClean="0">
-                <a:latin typeface="Arial" pitchFamily="34" charset="0"/>
-                <a:cs typeface="Arial" pitchFamily="34" charset="0"/>
-              </a:rPr>
-              <a:t>to</a:t>
-            </a:r>
-            <a:r>
-              <a:rPr lang="pt-BR" sz="3500" dirty="0" smtClean="0">
-                <a:latin typeface="Arial" pitchFamily="34" charset="0"/>
-                <a:cs typeface="Arial" pitchFamily="34" charset="0"/>
-              </a:rPr>
-              <a:t> </a:t>
-            </a:r>
-            <a:r>
-              <a:rPr lang="pt-BR" sz="3500" dirty="0" err="1" smtClean="0">
-                <a:latin typeface="Arial" pitchFamily="34" charset="0"/>
-                <a:cs typeface="Arial" pitchFamily="34" charset="0"/>
-              </a:rPr>
-              <a:t>analyze</a:t>
-            </a:r>
-            <a:r>
-              <a:rPr lang="pt-BR" sz="3500" dirty="0" smtClean="0">
-                <a:latin typeface="Arial" pitchFamily="34" charset="0"/>
-                <a:cs typeface="Arial" pitchFamily="34" charset="0"/>
-              </a:rPr>
-              <a:t> </a:t>
-            </a:r>
-            <a:r>
-              <a:rPr lang="pt-BR" sz="3500" dirty="0" err="1" smtClean="0">
-                <a:latin typeface="Arial" pitchFamily="34" charset="0"/>
-                <a:cs typeface="Arial" pitchFamily="34" charset="0"/>
-              </a:rPr>
-              <a:t>all</a:t>
-            </a:r>
-            <a:r>
-              <a:rPr lang="pt-BR" sz="3500" dirty="0" smtClean="0">
-                <a:latin typeface="Arial" pitchFamily="34" charset="0"/>
-                <a:cs typeface="Arial" pitchFamily="34" charset="0"/>
-              </a:rPr>
-              <a:t> </a:t>
-            </a:r>
-            <a:r>
-              <a:rPr lang="pt-BR" sz="3500" dirty="0" err="1" smtClean="0">
-                <a:latin typeface="Arial" pitchFamily="34" charset="0"/>
-                <a:cs typeface="Arial" pitchFamily="34" charset="0"/>
-              </a:rPr>
-              <a:t>the</a:t>
-            </a:r>
-            <a:r>
-              <a:rPr lang="pt-BR" sz="3500" dirty="0" smtClean="0">
-                <a:latin typeface="Arial" pitchFamily="34" charset="0"/>
-                <a:cs typeface="Arial" pitchFamily="34" charset="0"/>
-              </a:rPr>
-              <a:t> data </a:t>
-            </a:r>
-            <a:r>
-              <a:rPr lang="pt-BR" sz="3500" dirty="0" err="1" smtClean="0">
-                <a:latin typeface="Arial" pitchFamily="34" charset="0"/>
-                <a:cs typeface="Arial" pitchFamily="34" charset="0"/>
-              </a:rPr>
-              <a:t>that</a:t>
-            </a:r>
-            <a:r>
-              <a:rPr lang="pt-BR" sz="3500" dirty="0" smtClean="0">
-                <a:latin typeface="Arial" pitchFamily="34" charset="0"/>
-                <a:cs typeface="Arial" pitchFamily="34" charset="0"/>
-              </a:rPr>
-              <a:t> </a:t>
-            </a:r>
-            <a:r>
-              <a:rPr lang="pt-BR" sz="3500" dirty="0" err="1" smtClean="0">
-                <a:latin typeface="Arial" pitchFamily="34" charset="0"/>
-                <a:cs typeface="Arial" pitchFamily="34" charset="0"/>
-              </a:rPr>
-              <a:t>is</a:t>
-            </a:r>
-            <a:r>
-              <a:rPr lang="pt-BR" sz="3500" dirty="0" smtClean="0">
-                <a:latin typeface="Arial" pitchFamily="34" charset="0"/>
-                <a:cs typeface="Arial" pitchFamily="34" charset="0"/>
-              </a:rPr>
               <a:t> </a:t>
             </a:r>
             <a:r>
@@ -5501,7 +5374,28 @@
                 <a:latin typeface="Arial" pitchFamily="34" charset="0"/>
                 <a:cs typeface="Arial" pitchFamily="34" charset="0"/>
               </a:rPr>
-              <a:t> na ICU </a:t>
+              <a:t> </a:t>
+            </a:r>
+            <a:r>
+              <a:rPr lang="pt-BR" sz="3500" dirty="0" err="1" smtClean="0">
+                <a:latin typeface="Arial" pitchFamily="34" charset="0"/>
+                <a:cs typeface="Arial" pitchFamily="34" charset="0"/>
+              </a:rPr>
+              <a:t>an</a:t>
+            </a:r>
+            <a:r>
+              <a:rPr lang="pt-BR" sz="3500" dirty="0" smtClean="0">
+                <a:latin typeface="Arial" pitchFamily="34" charset="0"/>
+                <a:cs typeface="Arial" pitchFamily="34" charset="0"/>
+              </a:rPr>
+              <a:t> </a:t>
+            </a:r>
+            <a:r>
+              <a:rPr lang="pt-BR" sz="3500" dirty="0" smtClean="0">
+                <a:latin typeface="Arial" pitchFamily="34" charset="0"/>
+                <a:cs typeface="Arial" pitchFamily="34" charset="0"/>
+              </a:rPr>
+              <a:t>ICU </a:t>
             </a:r>
             <a:r>
               <a:rPr lang="pt-BR" sz="3500" dirty="0" err="1" smtClean="0">
@@ -5830,7 +5724,7 @@
         <p:spPr>
           <a:xfrm>
             <a:off x="801374" y="15414958"/>
-            <a:ext cx="14426075" cy="2877705"/>
+            <a:ext cx="14529192" cy="2877705"/>
           </a:xfrm>
           <a:prstGeom prst="rect">
             <a:avLst/>
@@ -5927,20 +5821,6 @@
                 <a:cs typeface="Arial" pitchFamily="34" charset="0"/>
               </a:rPr>
               <a:t>to</a:t>
-            </a:r>
-            <a:r>
-              <a:rPr lang="pt-BR" sz="3500" dirty="0" smtClean="0">
-                <a:latin typeface="Arial" pitchFamily="34" charset="0"/>
-                <a:cs typeface="Arial" pitchFamily="34" charset="0"/>
-              </a:rPr>
-              <a:t> </a:t>
-            </a:r>
-            <a:r>
-              <a:rPr lang="pt-BR" sz="3500" dirty="0" err="1" smtClean="0">
-                <a:latin typeface="Arial" pitchFamily="34" charset="0"/>
-                <a:cs typeface="Arial" pitchFamily="34" charset="0"/>
-              </a:rPr>
-              <a:t>the</a:t>
             </a:r>
             <a:r>
               <a:rPr lang="pt-BR" sz="3500" dirty="0" smtClean="0">
@@ -7208,7 +7088,311 @@
                 <a:latin typeface="Arial" pitchFamily="34" charset="0"/>
                 <a:cs typeface="Arial" pitchFamily="34" charset="0"/>
               </a:rPr>
-              <a:t> network communication </a:t>
+              <a:t> network </a:t>
+            </a:r>
+            <a:r>
+              <a:rPr lang="pt-BR" sz="3500" dirty="0" smtClean="0">
+                <a:latin typeface="Arial" pitchFamily="34" charset="0"/>
+                <a:cs typeface="Arial" pitchFamily="34" charset="0"/>
+              </a:rPr>
+              <a:t>communication. The </a:t>
+            </a:r>
+            <a:r>
+              <a:rPr lang="pt-BR" sz="3500" dirty="0" smtClean="0">
+                <a:latin typeface="Arial" pitchFamily="34" charset="0"/>
+                <a:cs typeface="Arial" pitchFamily="34" charset="0"/>
+              </a:rPr>
+              <a:t>use </a:t>
+            </a:r>
+            <a:r>
+              <a:rPr lang="pt-BR" sz="3500" dirty="0" err="1" smtClean="0">
+                <a:latin typeface="Arial" pitchFamily="34" charset="0"/>
+                <a:cs typeface="Arial" pitchFamily="34" charset="0"/>
+              </a:rPr>
+              <a:t>of</a:t>
+            </a:r>
+            <a:r>
+              <a:rPr lang="pt-BR" sz="3500" dirty="0" smtClean="0">
+                <a:latin typeface="Arial" pitchFamily="34" charset="0"/>
+                <a:cs typeface="Arial" pitchFamily="34" charset="0"/>
+              </a:rPr>
+              <a:t> </a:t>
+            </a:r>
+            <a:r>
+              <a:rPr lang="pt-BR" sz="3500" dirty="0" err="1" smtClean="0">
+                <a:latin typeface="Arial" pitchFamily="34" charset="0"/>
+                <a:cs typeface="Arial" pitchFamily="34" charset="0"/>
+              </a:rPr>
+              <a:t>the</a:t>
+            </a:r>
+            <a:r>
+              <a:rPr lang="pt-BR" sz="3500" dirty="0" smtClean="0">
+                <a:latin typeface="Arial" pitchFamily="34" charset="0"/>
+                <a:cs typeface="Arial" pitchFamily="34" charset="0"/>
+              </a:rPr>
+              <a:t> HL7 standards </a:t>
+            </a:r>
+            <a:r>
+              <a:rPr lang="pt-BR" sz="3500" dirty="0" err="1" smtClean="0">
+                <a:latin typeface="Arial" pitchFamily="34" charset="0"/>
+                <a:cs typeface="Arial" pitchFamily="34" charset="0"/>
+              </a:rPr>
+              <a:t>to</a:t>
+            </a:r>
+            <a:r>
+              <a:rPr lang="pt-BR" sz="3500" dirty="0" smtClean="0">
+                <a:latin typeface="Arial" pitchFamily="34" charset="0"/>
+                <a:cs typeface="Arial" pitchFamily="34" charset="0"/>
+              </a:rPr>
+              <a:t> </a:t>
+            </a:r>
+            <a:r>
+              <a:rPr lang="pt-BR" sz="3500" dirty="0" err="1" smtClean="0">
+                <a:latin typeface="Arial" pitchFamily="34" charset="0"/>
+                <a:cs typeface="Arial" pitchFamily="34" charset="0"/>
+              </a:rPr>
+              <a:t>deliver</a:t>
+            </a:r>
+            <a:r>
+              <a:rPr lang="pt-BR" sz="3500" dirty="0" smtClean="0">
+                <a:latin typeface="Arial" pitchFamily="34" charset="0"/>
+                <a:cs typeface="Arial" pitchFamily="34" charset="0"/>
+              </a:rPr>
+              <a:t> medical </a:t>
+            </a:r>
+            <a:r>
+              <a:rPr lang="pt-BR" sz="3500" dirty="0" err="1" smtClean="0">
+                <a:latin typeface="Arial" pitchFamily="34" charset="0"/>
+                <a:cs typeface="Arial" pitchFamily="34" charset="0"/>
+              </a:rPr>
+              <a:t>information</a:t>
+            </a:r>
+            <a:r>
+              <a:rPr lang="pt-BR" sz="3500" dirty="0" smtClean="0">
+                <a:latin typeface="Arial" pitchFamily="34" charset="0"/>
+                <a:cs typeface="Arial" pitchFamily="34" charset="0"/>
+              </a:rPr>
+              <a:t> </a:t>
+            </a:r>
+            <a:r>
+              <a:rPr lang="pt-BR" sz="3500" dirty="0" err="1" smtClean="0">
+                <a:latin typeface="Arial" pitchFamily="34" charset="0"/>
+                <a:cs typeface="Arial" pitchFamily="34" charset="0"/>
+              </a:rPr>
+              <a:t>gave</a:t>
+            </a:r>
+            <a:r>
+              <a:rPr lang="pt-BR" sz="3500" dirty="0" smtClean="0">
+                <a:latin typeface="Arial" pitchFamily="34" charset="0"/>
+                <a:cs typeface="Arial" pitchFamily="34" charset="0"/>
+              </a:rPr>
+              <a:t> a professional approach </a:t>
+            </a:r>
+            <a:r>
+              <a:rPr lang="pt-BR" sz="3500" dirty="0" err="1" smtClean="0">
+                <a:latin typeface="Arial" pitchFamily="34" charset="0"/>
+                <a:cs typeface="Arial" pitchFamily="34" charset="0"/>
+              </a:rPr>
+              <a:t>to</a:t>
+            </a:r>
+            <a:r>
+              <a:rPr lang="pt-BR" sz="3500" dirty="0" smtClean="0">
+                <a:latin typeface="Arial" pitchFamily="34" charset="0"/>
+                <a:cs typeface="Arial" pitchFamily="34" charset="0"/>
+              </a:rPr>
+              <a:t> </a:t>
+            </a:r>
+            <a:r>
+              <a:rPr lang="pt-BR" sz="3500" dirty="0" err="1" smtClean="0">
+                <a:latin typeface="Arial" pitchFamily="34" charset="0"/>
+                <a:cs typeface="Arial" pitchFamily="34" charset="0"/>
+              </a:rPr>
+              <a:t>this</a:t>
+            </a:r>
+            <a:r>
+              <a:rPr lang="pt-BR" sz="3500" dirty="0" smtClean="0">
+                <a:latin typeface="Arial" pitchFamily="34" charset="0"/>
+                <a:cs typeface="Arial" pitchFamily="34" charset="0"/>
+              </a:rPr>
+              <a:t> </a:t>
+            </a:r>
+            <a:r>
+              <a:rPr lang="pt-BR" sz="3500" dirty="0" err="1" smtClean="0">
+                <a:latin typeface="Arial" pitchFamily="34" charset="0"/>
+                <a:cs typeface="Arial" pitchFamily="34" charset="0"/>
+              </a:rPr>
+              <a:t>project</a:t>
+            </a:r>
+            <a:r>
+              <a:rPr lang="pt-BR" sz="3500" dirty="0" smtClean="0">
+                <a:latin typeface="Arial" pitchFamily="34" charset="0"/>
+                <a:cs typeface="Arial" pitchFamily="34" charset="0"/>
+              </a:rPr>
+              <a:t>.</a:t>
+            </a:r>
+          </a:p>
+          <a:p>
+            <a:pPr algn="just"/>
+            <a:r>
+              <a:rPr lang="pt-BR" sz="3500" dirty="0" smtClean="0">
+                <a:latin typeface="Arial" pitchFamily="34" charset="0"/>
+                <a:cs typeface="Arial" pitchFamily="34" charset="0"/>
+              </a:rPr>
+              <a:t>The </a:t>
+            </a:r>
+            <a:r>
+              <a:rPr lang="pt-BR" sz="3500" dirty="0" err="1" smtClean="0">
+                <a:latin typeface="Arial" pitchFamily="34" charset="0"/>
+                <a:cs typeface="Arial" pitchFamily="34" charset="0"/>
+              </a:rPr>
+              <a:t>authors</a:t>
+            </a:r>
+            <a:r>
+              <a:rPr lang="pt-BR" sz="3500" dirty="0" smtClean="0">
+                <a:latin typeface="Arial" pitchFamily="34" charset="0"/>
+                <a:cs typeface="Arial" pitchFamily="34" charset="0"/>
+              </a:rPr>
+              <a:t> </a:t>
+            </a:r>
+            <a:r>
+              <a:rPr lang="pt-BR" sz="3500" dirty="0" err="1" smtClean="0">
+                <a:latin typeface="Arial" pitchFamily="34" charset="0"/>
+                <a:cs typeface="Arial" pitchFamily="34" charset="0"/>
+              </a:rPr>
+              <a:t>believe</a:t>
+            </a:r>
+            <a:r>
+              <a:rPr lang="pt-BR" sz="3500" dirty="0" smtClean="0">
+                <a:latin typeface="Arial" pitchFamily="34" charset="0"/>
+                <a:cs typeface="Arial" pitchFamily="34" charset="0"/>
+              </a:rPr>
+              <a:t> </a:t>
+            </a:r>
+            <a:r>
+              <a:rPr lang="pt-BR" sz="3500" dirty="0" err="1" smtClean="0">
+                <a:latin typeface="Arial" pitchFamily="34" charset="0"/>
+                <a:cs typeface="Arial" pitchFamily="34" charset="0"/>
+              </a:rPr>
+              <a:t>that</a:t>
+            </a:r>
+            <a:r>
+              <a:rPr lang="pt-BR" sz="3500" dirty="0" smtClean="0">
+                <a:latin typeface="Arial" pitchFamily="34" charset="0"/>
+                <a:cs typeface="Arial" pitchFamily="34" charset="0"/>
+              </a:rPr>
+              <a:t> </a:t>
+            </a:r>
+            <a:r>
+              <a:rPr lang="pt-BR" sz="3500" dirty="0" err="1" smtClean="0">
+                <a:latin typeface="Arial" pitchFamily="34" charset="0"/>
+                <a:cs typeface="Arial" pitchFamily="34" charset="0"/>
+              </a:rPr>
+              <a:t>this</a:t>
+            </a:r>
+            <a:r>
+              <a:rPr lang="pt-BR" sz="3500" dirty="0" smtClean="0">
+                <a:latin typeface="Arial" pitchFamily="34" charset="0"/>
+                <a:cs typeface="Arial" pitchFamily="34" charset="0"/>
+              </a:rPr>
+              <a:t> </a:t>
+            </a:r>
+            <a:r>
+              <a:rPr lang="pt-BR" sz="3500" dirty="0" err="1" smtClean="0">
+                <a:latin typeface="Arial" pitchFamily="34" charset="0"/>
+                <a:cs typeface="Arial" pitchFamily="34" charset="0"/>
+              </a:rPr>
+              <a:t>work</a:t>
+            </a:r>
+            <a:r>
+              <a:rPr lang="pt-BR" sz="3500" dirty="0" smtClean="0">
+                <a:latin typeface="Arial" pitchFamily="34" charset="0"/>
+                <a:cs typeface="Arial" pitchFamily="34" charset="0"/>
+              </a:rPr>
+              <a:t> </a:t>
+            </a:r>
+            <a:r>
+              <a:rPr lang="pt-BR" sz="3500" dirty="0" err="1" smtClean="0">
+                <a:latin typeface="Arial" pitchFamily="34" charset="0"/>
+                <a:cs typeface="Arial" pitchFamily="34" charset="0"/>
+              </a:rPr>
+              <a:t>has</a:t>
+            </a:r>
+            <a:r>
+              <a:rPr lang="pt-BR" sz="3500" dirty="0" smtClean="0">
+                <a:latin typeface="Arial" pitchFamily="34" charset="0"/>
+                <a:cs typeface="Arial" pitchFamily="34" charset="0"/>
+              </a:rPr>
+              <a:t> </a:t>
+            </a:r>
+            <a:r>
+              <a:rPr lang="pt-BR" sz="3500" dirty="0" err="1" smtClean="0">
+                <a:latin typeface="Arial" pitchFamily="34" charset="0"/>
+                <a:cs typeface="Arial" pitchFamily="34" charset="0"/>
+              </a:rPr>
+              <a:t>contributed</a:t>
+            </a:r>
+            <a:r>
+              <a:rPr lang="pt-BR" sz="3500" dirty="0" smtClean="0">
+                <a:latin typeface="Arial" pitchFamily="34" charset="0"/>
+                <a:cs typeface="Arial" pitchFamily="34" charset="0"/>
+              </a:rPr>
+              <a:t> </a:t>
+            </a:r>
+            <a:r>
+              <a:rPr lang="pt-BR" sz="3500" dirty="0" err="1" smtClean="0">
+                <a:latin typeface="Arial" pitchFamily="34" charset="0"/>
+                <a:cs typeface="Arial" pitchFamily="34" charset="0"/>
+              </a:rPr>
+              <a:t>significantly</a:t>
+            </a:r>
+            <a:r>
+              <a:rPr lang="pt-BR" sz="3500" dirty="0" smtClean="0">
+                <a:latin typeface="Arial" pitchFamily="34" charset="0"/>
+                <a:cs typeface="Arial" pitchFamily="34" charset="0"/>
+              </a:rPr>
+              <a:t> </a:t>
+            </a:r>
+            <a:r>
+              <a:rPr lang="pt-BR" sz="3500" dirty="0" err="1" smtClean="0">
+                <a:latin typeface="Arial" pitchFamily="34" charset="0"/>
+                <a:cs typeface="Arial" pitchFamily="34" charset="0"/>
+              </a:rPr>
+              <a:t>to</a:t>
+            </a:r>
+            <a:r>
+              <a:rPr lang="pt-BR" sz="3500" dirty="0" smtClean="0">
+                <a:latin typeface="Arial" pitchFamily="34" charset="0"/>
+                <a:cs typeface="Arial" pitchFamily="34" charset="0"/>
+              </a:rPr>
+              <a:t> </a:t>
+            </a:r>
+            <a:r>
+              <a:rPr lang="pt-BR" sz="3500" dirty="0" err="1" smtClean="0">
+                <a:latin typeface="Arial" pitchFamily="34" charset="0"/>
+                <a:cs typeface="Arial" pitchFamily="34" charset="0"/>
+              </a:rPr>
+              <a:t>their</a:t>
+            </a:r>
+            <a:r>
+              <a:rPr lang="pt-BR" sz="3500" dirty="0" smtClean="0">
+                <a:latin typeface="Arial" pitchFamily="34" charset="0"/>
+                <a:cs typeface="Arial" pitchFamily="34" charset="0"/>
+              </a:rPr>
+              <a:t> </a:t>
+            </a:r>
+            <a:r>
+              <a:rPr lang="pt-BR" sz="3500" dirty="0" err="1" smtClean="0">
+                <a:latin typeface="Arial" pitchFamily="34" charset="0"/>
+                <a:cs typeface="Arial" pitchFamily="34" charset="0"/>
+              </a:rPr>
+              <a:t>technical</a:t>
+            </a:r>
+            <a:r>
+              <a:rPr lang="pt-BR" sz="3500" dirty="0" smtClean="0">
+                <a:latin typeface="Arial" pitchFamily="34" charset="0"/>
+                <a:cs typeface="Arial" pitchFamily="34" charset="0"/>
+              </a:rPr>
+              <a:t> expertise </a:t>
             </a:r>
             <a:r>
               <a:rPr lang="pt-BR" sz="3500" dirty="0" err="1" smtClean="0">
@@ -7229,324 +7413,6 @@
                 <a:latin typeface="Arial" pitchFamily="34" charset="0"/>
                 <a:cs typeface="Arial" pitchFamily="34" charset="0"/>
               </a:rPr>
-              <a:t>the</a:t>
-            </a:r>
-            <a:r>
-              <a:rPr lang="pt-BR" sz="3500" dirty="0" smtClean="0">
-                <a:latin typeface="Arial" pitchFamily="34" charset="0"/>
-                <a:cs typeface="Arial" pitchFamily="34" charset="0"/>
-              </a:rPr>
-              <a:t> use </a:t>
-            </a:r>
-            <a:r>
-              <a:rPr lang="pt-BR" sz="3500" dirty="0" err="1" smtClean="0">
-                <a:latin typeface="Arial" pitchFamily="34" charset="0"/>
-                <a:cs typeface="Arial" pitchFamily="34" charset="0"/>
-              </a:rPr>
-              <a:t>of</a:t>
-            </a:r>
-            <a:r>
-              <a:rPr lang="pt-BR" sz="3500" dirty="0" smtClean="0">
-                <a:latin typeface="Arial" pitchFamily="34" charset="0"/>
-                <a:cs typeface="Arial" pitchFamily="34" charset="0"/>
-              </a:rPr>
-              <a:t> </a:t>
-            </a:r>
-            <a:r>
-              <a:rPr lang="pt-BR" sz="3500" dirty="0" err="1" smtClean="0">
-                <a:latin typeface="Arial" pitchFamily="34" charset="0"/>
-                <a:cs typeface="Arial" pitchFamily="34" charset="0"/>
-              </a:rPr>
-              <a:t>the</a:t>
-            </a:r>
-            <a:r>
-              <a:rPr lang="pt-BR" sz="3500" dirty="0" smtClean="0">
-                <a:latin typeface="Arial" pitchFamily="34" charset="0"/>
-                <a:cs typeface="Arial" pitchFamily="34" charset="0"/>
-              </a:rPr>
-              <a:t> HL7 standards </a:t>
-            </a:r>
-            <a:r>
-              <a:rPr lang="pt-BR" sz="3500" dirty="0" err="1" smtClean="0">
-                <a:latin typeface="Arial" pitchFamily="34" charset="0"/>
-                <a:cs typeface="Arial" pitchFamily="34" charset="0"/>
-              </a:rPr>
-              <a:t>to</a:t>
-            </a:r>
-            <a:r>
-              <a:rPr lang="pt-BR" sz="3500" dirty="0" smtClean="0">
-                <a:latin typeface="Arial" pitchFamily="34" charset="0"/>
-                <a:cs typeface="Arial" pitchFamily="34" charset="0"/>
-              </a:rPr>
-              <a:t> </a:t>
-            </a:r>
-            <a:r>
-              <a:rPr lang="pt-BR" sz="3500" dirty="0" err="1" smtClean="0">
-                <a:latin typeface="Arial" pitchFamily="34" charset="0"/>
-                <a:cs typeface="Arial" pitchFamily="34" charset="0"/>
-              </a:rPr>
-              <a:t>deliver</a:t>
-            </a:r>
-            <a:r>
-              <a:rPr lang="pt-BR" sz="3500" dirty="0" smtClean="0">
-                <a:latin typeface="Arial" pitchFamily="34" charset="0"/>
-                <a:cs typeface="Arial" pitchFamily="34" charset="0"/>
-              </a:rPr>
-              <a:t> medical </a:t>
-            </a:r>
-            <a:r>
-              <a:rPr lang="pt-BR" sz="3500" dirty="0" err="1" smtClean="0">
-                <a:latin typeface="Arial" pitchFamily="34" charset="0"/>
-                <a:cs typeface="Arial" pitchFamily="34" charset="0"/>
-              </a:rPr>
-              <a:t>information</a:t>
-            </a:r>
-            <a:r>
-              <a:rPr lang="pt-BR" sz="3500" dirty="0" smtClean="0">
-                <a:latin typeface="Arial" pitchFamily="34" charset="0"/>
-                <a:cs typeface="Arial" pitchFamily="34" charset="0"/>
-              </a:rPr>
-              <a:t> </a:t>
-            </a:r>
-            <a:r>
-              <a:rPr lang="pt-BR" sz="3500" dirty="0" err="1" smtClean="0">
-                <a:latin typeface="Arial" pitchFamily="34" charset="0"/>
-                <a:cs typeface="Arial" pitchFamily="34" charset="0"/>
-              </a:rPr>
-              <a:t>gave</a:t>
-            </a:r>
-            <a:r>
-              <a:rPr lang="pt-BR" sz="3500" dirty="0" smtClean="0">
-                <a:latin typeface="Arial" pitchFamily="34" charset="0"/>
-                <a:cs typeface="Arial" pitchFamily="34" charset="0"/>
-              </a:rPr>
-              <a:t> a professional approach </a:t>
-            </a:r>
-            <a:r>
-              <a:rPr lang="pt-BR" sz="3500" dirty="0" err="1" smtClean="0">
-                <a:latin typeface="Arial" pitchFamily="34" charset="0"/>
-                <a:cs typeface="Arial" pitchFamily="34" charset="0"/>
-              </a:rPr>
-              <a:t>to</a:t>
-            </a:r>
-            <a:r>
-              <a:rPr lang="pt-BR" sz="3500" dirty="0" smtClean="0">
-                <a:latin typeface="Arial" pitchFamily="34" charset="0"/>
-                <a:cs typeface="Arial" pitchFamily="34" charset="0"/>
-              </a:rPr>
-              <a:t> </a:t>
-            </a:r>
-            <a:r>
-              <a:rPr lang="pt-BR" sz="3500" dirty="0" err="1" smtClean="0">
-                <a:latin typeface="Arial" pitchFamily="34" charset="0"/>
-                <a:cs typeface="Arial" pitchFamily="34" charset="0"/>
-              </a:rPr>
-              <a:t>this</a:t>
-            </a:r>
-            <a:r>
-              <a:rPr lang="pt-BR" sz="3500" dirty="0" smtClean="0">
-                <a:latin typeface="Arial" pitchFamily="34" charset="0"/>
-                <a:cs typeface="Arial" pitchFamily="34" charset="0"/>
-              </a:rPr>
-              <a:t> </a:t>
-            </a:r>
-            <a:r>
-              <a:rPr lang="pt-BR" sz="3500" dirty="0" err="1" smtClean="0">
-                <a:latin typeface="Arial" pitchFamily="34" charset="0"/>
-                <a:cs typeface="Arial" pitchFamily="34" charset="0"/>
-              </a:rPr>
-              <a:t>project</a:t>
-            </a:r>
-            <a:r>
-              <a:rPr lang="pt-BR" sz="3500" dirty="0" smtClean="0">
-                <a:latin typeface="Arial" pitchFamily="34" charset="0"/>
-                <a:cs typeface="Arial" pitchFamily="34" charset="0"/>
-              </a:rPr>
-              <a:t>.</a:t>
-            </a:r>
-          </a:p>
-          <a:p>
-            <a:pPr algn="just"/>
-            <a:r>
-              <a:rPr lang="pt-BR" sz="3500" dirty="0" smtClean="0">
-                <a:latin typeface="Arial" pitchFamily="34" charset="0"/>
-                <a:cs typeface="Arial" pitchFamily="34" charset="0"/>
-              </a:rPr>
-              <a:t>The </a:t>
-            </a:r>
-            <a:r>
-              <a:rPr lang="pt-BR" sz="3500" dirty="0" err="1" smtClean="0">
-                <a:latin typeface="Arial" pitchFamily="34" charset="0"/>
-                <a:cs typeface="Arial" pitchFamily="34" charset="0"/>
-              </a:rPr>
-              <a:t>authors</a:t>
-            </a:r>
-            <a:r>
-              <a:rPr lang="pt-BR" sz="3500" dirty="0" smtClean="0">
-                <a:latin typeface="Arial" pitchFamily="34" charset="0"/>
-                <a:cs typeface="Arial" pitchFamily="34" charset="0"/>
-              </a:rPr>
-              <a:t> </a:t>
-            </a:r>
-            <a:r>
-              <a:rPr lang="pt-BR" sz="3500" dirty="0" err="1" smtClean="0">
-                <a:latin typeface="Arial" pitchFamily="34" charset="0"/>
-                <a:cs typeface="Arial" pitchFamily="34" charset="0"/>
-              </a:rPr>
-              <a:t>believe</a:t>
-            </a:r>
-            <a:r>
-              <a:rPr lang="pt-BR" sz="3500" dirty="0" smtClean="0">
-                <a:latin typeface="Arial" pitchFamily="34" charset="0"/>
-                <a:cs typeface="Arial" pitchFamily="34" charset="0"/>
-              </a:rPr>
-              <a:t> </a:t>
-            </a:r>
-            <a:r>
-              <a:rPr lang="pt-BR" sz="3500" dirty="0" err="1" smtClean="0">
-                <a:latin typeface="Arial" pitchFamily="34" charset="0"/>
-                <a:cs typeface="Arial" pitchFamily="34" charset="0"/>
-              </a:rPr>
-              <a:t>that</a:t>
-            </a:r>
-            <a:r>
-              <a:rPr lang="pt-BR" sz="3500" dirty="0" smtClean="0">
-                <a:latin typeface="Arial" pitchFamily="34" charset="0"/>
-                <a:cs typeface="Arial" pitchFamily="34" charset="0"/>
-              </a:rPr>
-              <a:t> </a:t>
-            </a:r>
-            <a:r>
-              <a:rPr lang="pt-BR" sz="3500" dirty="0" err="1" smtClean="0">
-                <a:latin typeface="Arial" pitchFamily="34" charset="0"/>
-                <a:cs typeface="Arial" pitchFamily="34" charset="0"/>
-              </a:rPr>
-              <a:t>this</a:t>
-            </a:r>
-            <a:r>
-              <a:rPr lang="pt-BR" sz="3500" dirty="0" smtClean="0">
-                <a:latin typeface="Arial" pitchFamily="34" charset="0"/>
-                <a:cs typeface="Arial" pitchFamily="34" charset="0"/>
-              </a:rPr>
-              <a:t> </a:t>
-            </a:r>
-            <a:r>
-              <a:rPr lang="pt-BR" sz="3500" dirty="0" err="1" smtClean="0">
-                <a:latin typeface="Arial" pitchFamily="34" charset="0"/>
-                <a:cs typeface="Arial" pitchFamily="34" charset="0"/>
-              </a:rPr>
-              <a:t>work</a:t>
-            </a:r>
-            <a:r>
-              <a:rPr lang="pt-BR" sz="3500" dirty="0" smtClean="0">
-                <a:latin typeface="Arial" pitchFamily="34" charset="0"/>
-                <a:cs typeface="Arial" pitchFamily="34" charset="0"/>
-              </a:rPr>
-              <a:t> </a:t>
-            </a:r>
-            <a:r>
-              <a:rPr lang="pt-BR" sz="3500" dirty="0" err="1" smtClean="0">
-                <a:latin typeface="Arial" pitchFamily="34" charset="0"/>
-                <a:cs typeface="Arial" pitchFamily="34" charset="0"/>
-              </a:rPr>
-              <a:t>has</a:t>
-            </a:r>
-            <a:r>
-              <a:rPr lang="pt-BR" sz="3500" dirty="0" smtClean="0">
-                <a:latin typeface="Arial" pitchFamily="34" charset="0"/>
-                <a:cs typeface="Arial" pitchFamily="34" charset="0"/>
-              </a:rPr>
-              <a:t> </a:t>
-            </a:r>
-            <a:r>
-              <a:rPr lang="pt-BR" sz="3500" dirty="0" err="1" smtClean="0">
-                <a:latin typeface="Arial" pitchFamily="34" charset="0"/>
-                <a:cs typeface="Arial" pitchFamily="34" charset="0"/>
-              </a:rPr>
-              <a:t>contributed</a:t>
-            </a:r>
-            <a:r>
-              <a:rPr lang="pt-BR" sz="3500" dirty="0" smtClean="0">
-                <a:latin typeface="Arial" pitchFamily="34" charset="0"/>
-                <a:cs typeface="Arial" pitchFamily="34" charset="0"/>
-              </a:rPr>
-              <a:t> </a:t>
-            </a:r>
-            <a:r>
-              <a:rPr lang="pt-BR" sz="3500" dirty="0" err="1" smtClean="0">
-                <a:latin typeface="Arial" pitchFamily="34" charset="0"/>
-                <a:cs typeface="Arial" pitchFamily="34" charset="0"/>
-              </a:rPr>
-              <a:t>significantly</a:t>
-            </a:r>
-            <a:r>
-              <a:rPr lang="pt-BR" sz="3500" dirty="0" smtClean="0">
-                <a:latin typeface="Arial" pitchFamily="34" charset="0"/>
-                <a:cs typeface="Arial" pitchFamily="34" charset="0"/>
-              </a:rPr>
-              <a:t> </a:t>
-            </a:r>
-            <a:r>
-              <a:rPr lang="pt-BR" sz="3500" dirty="0" err="1" smtClean="0">
-                <a:latin typeface="Arial" pitchFamily="34" charset="0"/>
-                <a:cs typeface="Arial" pitchFamily="34" charset="0"/>
-              </a:rPr>
-              <a:t>to</a:t>
-            </a:r>
-            <a:r>
-              <a:rPr lang="pt-BR" sz="3500" dirty="0" smtClean="0">
-                <a:latin typeface="Arial" pitchFamily="34" charset="0"/>
-                <a:cs typeface="Arial" pitchFamily="34" charset="0"/>
-              </a:rPr>
-              <a:t> </a:t>
-            </a:r>
-            <a:r>
-              <a:rPr lang="pt-BR" sz="3500" dirty="0" err="1" smtClean="0">
-                <a:latin typeface="Arial" pitchFamily="34" charset="0"/>
-                <a:cs typeface="Arial" pitchFamily="34" charset="0"/>
-              </a:rPr>
-              <a:t>their</a:t>
-            </a:r>
-            <a:r>
-              <a:rPr lang="pt-BR" sz="3500" dirty="0" smtClean="0">
-                <a:latin typeface="Arial" pitchFamily="34" charset="0"/>
-                <a:cs typeface="Arial" pitchFamily="34" charset="0"/>
-              </a:rPr>
-              <a:t> </a:t>
-            </a:r>
-            <a:r>
-              <a:rPr lang="pt-BR" sz="3500" dirty="0" err="1" smtClean="0">
-                <a:latin typeface="Arial" pitchFamily="34" charset="0"/>
-                <a:cs typeface="Arial" pitchFamily="34" charset="0"/>
-              </a:rPr>
-              <a:t>technical</a:t>
-            </a:r>
-            <a:r>
-              <a:rPr lang="pt-BR" sz="3500" dirty="0" smtClean="0">
-                <a:latin typeface="Arial" pitchFamily="34" charset="0"/>
-                <a:cs typeface="Arial" pitchFamily="34" charset="0"/>
-              </a:rPr>
-              <a:t> expertise </a:t>
-            </a:r>
-            <a:r>
-              <a:rPr lang="pt-BR" sz="3500" dirty="0" err="1" smtClean="0">
-                <a:latin typeface="Arial" pitchFamily="34" charset="0"/>
-                <a:cs typeface="Arial" pitchFamily="34" charset="0"/>
-              </a:rPr>
-              <a:t>and</a:t>
-            </a:r>
-            <a:r>
-              <a:rPr lang="pt-BR" sz="3500" dirty="0" smtClean="0">
-                <a:latin typeface="Arial" pitchFamily="34" charset="0"/>
-                <a:cs typeface="Arial" pitchFamily="34" charset="0"/>
-              </a:rPr>
-              <a:t> </a:t>
-            </a:r>
-            <a:r>
-              <a:rPr lang="pt-BR" sz="3500" dirty="0" err="1" smtClean="0">
-                <a:latin typeface="Arial" pitchFamily="34" charset="0"/>
-                <a:cs typeface="Arial" pitchFamily="34" charset="0"/>
-              </a:rPr>
               <a:t>knowledgment</a:t>
             </a:r>
             <a:r>
@@ -7571,46 +7437,11 @@
               <a:t> crucial </a:t>
             </a:r>
             <a:r>
-              <a:rPr lang="pt-BR" sz="3500" dirty="0" err="1" smtClean="0">
-                <a:latin typeface="Arial" pitchFamily="34" charset="0"/>
-                <a:cs typeface="Arial" pitchFamily="34" charset="0"/>
-              </a:rPr>
-              <a:t>to</a:t>
-            </a:r>
-            <a:r>
-              <a:rPr lang="pt-BR" sz="3500" dirty="0" smtClean="0">
-                <a:latin typeface="Arial" pitchFamily="34" charset="0"/>
-                <a:cs typeface="Arial" pitchFamily="34" charset="0"/>
-              </a:rPr>
-              <a:t> </a:t>
-            </a:r>
-            <a:r>
-              <a:rPr lang="pt-BR" sz="3500" dirty="0" err="1" smtClean="0">
-                <a:latin typeface="Arial" pitchFamily="34" charset="0"/>
-                <a:cs typeface="Arial" pitchFamily="34" charset="0"/>
-              </a:rPr>
-              <a:t>provide</a:t>
-            </a:r>
-            <a:r>
-              <a:rPr lang="pt-BR" sz="3500" dirty="0" smtClean="0">
-                <a:latin typeface="Arial" pitchFamily="34" charset="0"/>
-                <a:cs typeface="Arial" pitchFamily="34" charset="0"/>
-              </a:rPr>
-              <a:t> </a:t>
-            </a:r>
-            <a:r>
-              <a:rPr lang="pt-BR" sz="3500" dirty="0" err="1" smtClean="0">
-                <a:latin typeface="Arial" pitchFamily="34" charset="0"/>
-                <a:cs typeface="Arial" pitchFamily="34" charset="0"/>
-              </a:rPr>
-              <a:t>insightful</a:t>
-            </a:r>
-            <a:r>
-              <a:rPr lang="pt-BR" sz="3500" dirty="0" smtClean="0">
-                <a:latin typeface="Arial" pitchFamily="34" charset="0"/>
-                <a:cs typeface="Arial" pitchFamily="34" charset="0"/>
-              </a:rPr>
-              <a:t> for </a:t>
+              <a:rPr lang="pt-BR" sz="3500" dirty="0" smtClean="0">
+                <a:latin typeface="Arial" pitchFamily="34" charset="0"/>
+                <a:cs typeface="Arial" pitchFamily="34" charset="0"/>
+              </a:rPr>
+              <a:t>for </a:t>
             </a:r>
             <a:r>
               <a:rPr lang="pt-BR" sz="3500" dirty="0" err="1" smtClean="0">
@@ -8186,6 +8017,48 @@
                 <a:latin typeface="Arial" pitchFamily="34" charset="0"/>
                 <a:cs typeface="Arial" pitchFamily="34" charset="0"/>
               </a:rPr>
+              <a:t>who</a:t>
+            </a:r>
+            <a:r>
+              <a:rPr lang="pt-BR" sz="3500" dirty="0" smtClean="0">
+                <a:latin typeface="Arial" pitchFamily="34" charset="0"/>
+                <a:cs typeface="Arial" pitchFamily="34" charset="0"/>
+              </a:rPr>
+              <a:t> </a:t>
+            </a:r>
+            <a:r>
+              <a:rPr lang="pt-BR" sz="3500" dirty="0" err="1" smtClean="0">
+                <a:latin typeface="Arial" pitchFamily="34" charset="0"/>
+                <a:cs typeface="Arial" pitchFamily="34" charset="0"/>
+              </a:rPr>
+              <a:t>act</a:t>
+            </a:r>
+            <a:r>
+              <a:rPr lang="pt-BR" sz="3500" dirty="0" smtClean="0">
+                <a:latin typeface="Arial" pitchFamily="34" charset="0"/>
+                <a:cs typeface="Arial" pitchFamily="34" charset="0"/>
+              </a:rPr>
+              <a:t> as </a:t>
+            </a:r>
+            <a:r>
+              <a:rPr lang="pt-BR" sz="3500" dirty="0" err="1" smtClean="0">
+                <a:latin typeface="Arial" pitchFamily="34" charset="0"/>
+                <a:cs typeface="Arial" pitchFamily="34" charset="0"/>
+              </a:rPr>
+              <a:t>clients</a:t>
+            </a:r>
+            <a:r>
+              <a:rPr lang="pt-BR" sz="3500" dirty="0" smtClean="0">
+                <a:latin typeface="Arial" pitchFamily="34" charset="0"/>
+                <a:cs typeface="Arial" pitchFamily="34" charset="0"/>
+              </a:rPr>
+              <a:t> </a:t>
+            </a:r>
+            <a:r>
+              <a:rPr lang="pt-BR" sz="3500" dirty="0" err="1" smtClean="0">
+                <a:latin typeface="Arial" pitchFamily="34" charset="0"/>
+                <a:cs typeface="Arial" pitchFamily="34" charset="0"/>
+              </a:rPr>
               <a:t>that</a:t>
             </a:r>
             <a:r>
@@ -8200,21 +8073,238 @@
                 <a:latin typeface="Arial" pitchFamily="34" charset="0"/>
                 <a:cs typeface="Arial" pitchFamily="34" charset="0"/>
               </a:rPr>
-              <a:t>act</a:t>
-            </a:r>
-            <a:r>
-              <a:rPr lang="pt-BR" sz="3500" dirty="0" smtClean="0">
-                <a:latin typeface="Arial" pitchFamily="34" charset="0"/>
-                <a:cs typeface="Arial" pitchFamily="34" charset="0"/>
-              </a:rPr>
-              <a:t> as </a:t>
-            </a:r>
-            <a:r>
-              <a:rPr lang="pt-BR" sz="3500" dirty="0" err="1" smtClean="0">
-                <a:latin typeface="Arial" pitchFamily="34" charset="0"/>
-                <a:cs typeface="Arial" pitchFamily="34" charset="0"/>
-              </a:rPr>
-              <a:t>clients</a:t>
+              <a:t>can</a:t>
+            </a:r>
+            <a:r>
+              <a:rPr lang="pt-BR" sz="3500" dirty="0" smtClean="0">
+                <a:latin typeface="Arial" pitchFamily="34" charset="0"/>
+                <a:cs typeface="Arial" pitchFamily="34" charset="0"/>
+              </a:rPr>
+              <a:t> </a:t>
+            </a:r>
+            <a:r>
+              <a:rPr lang="pt-BR" sz="3500" dirty="0" err="1" smtClean="0">
+                <a:latin typeface="Arial" pitchFamily="34" charset="0"/>
+                <a:cs typeface="Arial" pitchFamily="34" charset="0"/>
+              </a:rPr>
+              <a:t>be</a:t>
+            </a:r>
+            <a:r>
+              <a:rPr lang="pt-BR" sz="3500" dirty="0" smtClean="0">
+                <a:latin typeface="Arial" pitchFamily="34" charset="0"/>
+                <a:cs typeface="Arial" pitchFamily="34" charset="0"/>
+              </a:rPr>
+              <a:t> </a:t>
+            </a:r>
+            <a:r>
+              <a:rPr lang="pt-BR" sz="3500" dirty="0" err="1" smtClean="0">
+                <a:latin typeface="Arial" pitchFamily="34" charset="0"/>
+                <a:cs typeface="Arial" pitchFamily="34" charset="0"/>
+              </a:rPr>
+              <a:t>connected</a:t>
+            </a:r>
+            <a:r>
+              <a:rPr lang="pt-BR" sz="3500" dirty="0" smtClean="0">
+                <a:latin typeface="Arial" pitchFamily="34" charset="0"/>
+                <a:cs typeface="Arial" pitchFamily="34" charset="0"/>
+              </a:rPr>
+              <a:t> </a:t>
+            </a:r>
+            <a:r>
+              <a:rPr lang="pt-BR" sz="3500" dirty="0" err="1" smtClean="0">
+                <a:latin typeface="Arial" pitchFamily="34" charset="0"/>
+                <a:cs typeface="Arial" pitchFamily="34" charset="0"/>
+              </a:rPr>
+              <a:t>to</a:t>
+            </a:r>
+            <a:r>
+              <a:rPr lang="pt-BR" sz="3500" dirty="0" smtClean="0">
+                <a:latin typeface="Arial" pitchFamily="34" charset="0"/>
+                <a:cs typeface="Arial" pitchFamily="34" charset="0"/>
+              </a:rPr>
+              <a:t> </a:t>
+            </a:r>
+            <a:r>
+              <a:rPr lang="pt-BR" sz="3500" dirty="0" err="1" smtClean="0">
+                <a:latin typeface="Arial" pitchFamily="34" charset="0"/>
+                <a:cs typeface="Arial" pitchFamily="34" charset="0"/>
+              </a:rPr>
+              <a:t>the</a:t>
+            </a:r>
+            <a:r>
+              <a:rPr lang="pt-BR" sz="3500" dirty="0" smtClean="0">
+                <a:latin typeface="Arial" pitchFamily="34" charset="0"/>
+                <a:cs typeface="Arial" pitchFamily="34" charset="0"/>
+              </a:rPr>
+              <a:t> </a:t>
+            </a:r>
+            <a:r>
+              <a:rPr lang="pt-BR" sz="3500" dirty="0" err="1" smtClean="0">
+                <a:latin typeface="Arial" pitchFamily="34" charset="0"/>
+                <a:cs typeface="Arial" pitchFamily="34" charset="0"/>
+              </a:rPr>
+              <a:t>monitoring</a:t>
+            </a:r>
+            <a:r>
+              <a:rPr lang="pt-BR" sz="3500" dirty="0" smtClean="0">
+                <a:latin typeface="Arial" pitchFamily="34" charset="0"/>
+                <a:cs typeface="Arial" pitchFamily="34" charset="0"/>
+              </a:rPr>
+              <a:t> center, </a:t>
+            </a:r>
+            <a:r>
+              <a:rPr lang="pt-BR" sz="3500" dirty="0" err="1" smtClean="0">
+                <a:latin typeface="Arial" pitchFamily="34" charset="0"/>
+                <a:cs typeface="Arial" pitchFamily="34" charset="0"/>
+              </a:rPr>
+              <a:t>the</a:t>
+            </a:r>
+            <a:r>
+              <a:rPr lang="pt-BR" sz="3500" dirty="0" smtClean="0">
+                <a:latin typeface="Arial" pitchFamily="34" charset="0"/>
+                <a:cs typeface="Arial" pitchFamily="34" charset="0"/>
+              </a:rPr>
+              <a:t> </a:t>
+            </a:r>
+            <a:r>
+              <a:rPr lang="pt-BR" sz="3500" dirty="0" smtClean="0">
+                <a:latin typeface="Arial" pitchFamily="34" charset="0"/>
+                <a:cs typeface="Arial" pitchFamily="34" charset="0"/>
+              </a:rPr>
+              <a:t>server, via network communication. The later </a:t>
+            </a:r>
+            <a:r>
+              <a:rPr lang="pt-BR" sz="3500" dirty="0" err="1" smtClean="0">
+                <a:latin typeface="Arial" pitchFamily="34" charset="0"/>
+                <a:cs typeface="Arial" pitchFamily="34" charset="0"/>
+              </a:rPr>
+              <a:t>is</a:t>
+            </a:r>
+            <a:r>
+              <a:rPr lang="pt-BR" sz="3500" dirty="0" smtClean="0">
+                <a:latin typeface="Arial" pitchFamily="34" charset="0"/>
+                <a:cs typeface="Arial" pitchFamily="34" charset="0"/>
+              </a:rPr>
+              <a:t> a </a:t>
+            </a:r>
+            <a:r>
+              <a:rPr lang="pt-BR" sz="3500" dirty="0" err="1" smtClean="0">
+                <a:latin typeface="Arial" pitchFamily="34" charset="0"/>
+                <a:cs typeface="Arial" pitchFamily="34" charset="0"/>
+              </a:rPr>
+              <a:t>multithreaded</a:t>
+            </a:r>
+            <a:r>
+              <a:rPr lang="pt-BR" sz="3500" dirty="0" smtClean="0">
+                <a:latin typeface="Arial" pitchFamily="34" charset="0"/>
+                <a:cs typeface="Arial" pitchFamily="34" charset="0"/>
+              </a:rPr>
+              <a:t> </a:t>
+            </a:r>
+            <a:r>
+              <a:rPr lang="pt-BR" sz="3500" dirty="0" err="1" smtClean="0">
+                <a:latin typeface="Arial" pitchFamily="34" charset="0"/>
+                <a:cs typeface="Arial" pitchFamily="34" charset="0"/>
+              </a:rPr>
+              <a:t>application</a:t>
+            </a:r>
+            <a:r>
+              <a:rPr lang="pt-BR" sz="3500" dirty="0" smtClean="0">
+                <a:latin typeface="Arial" pitchFamily="34" charset="0"/>
+                <a:cs typeface="Arial" pitchFamily="34" charset="0"/>
+              </a:rPr>
+              <a:t> </a:t>
+            </a:r>
+            <a:r>
+              <a:rPr lang="pt-BR" sz="3500" dirty="0" err="1" smtClean="0">
+                <a:latin typeface="Arial" pitchFamily="34" charset="0"/>
+                <a:cs typeface="Arial" pitchFamily="34" charset="0"/>
+              </a:rPr>
+              <a:t>which</a:t>
+            </a:r>
+            <a:r>
+              <a:rPr lang="pt-BR" sz="3500" dirty="0" smtClean="0">
+                <a:latin typeface="Arial" pitchFamily="34" charset="0"/>
+                <a:cs typeface="Arial" pitchFamily="34" charset="0"/>
+              </a:rPr>
+              <a:t> </a:t>
+            </a:r>
+            <a:r>
+              <a:rPr lang="pt-BR" sz="3500" dirty="0" err="1" smtClean="0">
+                <a:latin typeface="Arial" pitchFamily="34" charset="0"/>
+                <a:cs typeface="Arial" pitchFamily="34" charset="0"/>
+              </a:rPr>
+              <a:t>receives</a:t>
+            </a:r>
+            <a:r>
+              <a:rPr lang="pt-BR" sz="3500" dirty="0" smtClean="0">
+                <a:latin typeface="Arial" pitchFamily="34" charset="0"/>
+                <a:cs typeface="Arial" pitchFamily="34" charset="0"/>
+              </a:rPr>
+              <a:t> </a:t>
+            </a:r>
+            <a:r>
+              <a:rPr lang="pt-BR" sz="3500" dirty="0" err="1" smtClean="0">
+                <a:latin typeface="Arial" pitchFamily="34" charset="0"/>
+                <a:cs typeface="Arial" pitchFamily="34" charset="0"/>
+              </a:rPr>
+              <a:t>the</a:t>
+            </a:r>
+            <a:r>
+              <a:rPr lang="pt-BR" sz="3500" dirty="0" smtClean="0">
+                <a:latin typeface="Arial" pitchFamily="34" charset="0"/>
+                <a:cs typeface="Arial" pitchFamily="34" charset="0"/>
+              </a:rPr>
+              <a:t> </a:t>
+            </a:r>
+            <a:r>
+              <a:rPr lang="pt-BR" sz="3500" dirty="0" err="1" smtClean="0">
+                <a:latin typeface="Arial" pitchFamily="34" charset="0"/>
+                <a:cs typeface="Arial" pitchFamily="34" charset="0"/>
+              </a:rPr>
+              <a:t>incoming</a:t>
+            </a:r>
+            <a:r>
+              <a:rPr lang="pt-BR" sz="3500" dirty="0" smtClean="0">
+                <a:latin typeface="Arial" pitchFamily="34" charset="0"/>
+                <a:cs typeface="Arial" pitchFamily="34" charset="0"/>
+              </a:rPr>
+              <a:t> data </a:t>
+            </a:r>
+            <a:r>
+              <a:rPr lang="pt-BR" sz="3500" dirty="0" err="1" smtClean="0">
+                <a:latin typeface="Arial" pitchFamily="34" charset="0"/>
+                <a:cs typeface="Arial" pitchFamily="34" charset="0"/>
+              </a:rPr>
+              <a:t>and</a:t>
+            </a:r>
+            <a:r>
+              <a:rPr lang="pt-BR" sz="3500" dirty="0" smtClean="0">
+                <a:latin typeface="Arial" pitchFamily="34" charset="0"/>
+                <a:cs typeface="Arial" pitchFamily="34" charset="0"/>
+              </a:rPr>
+              <a:t> passes it </a:t>
+            </a:r>
+            <a:r>
+              <a:rPr lang="pt-BR" sz="3500" dirty="0" err="1" smtClean="0">
+                <a:latin typeface="Arial" pitchFamily="34" charset="0"/>
+                <a:cs typeface="Arial" pitchFamily="34" charset="0"/>
+              </a:rPr>
+              <a:t>to</a:t>
+            </a:r>
+            <a:r>
+              <a:rPr lang="pt-BR" sz="3500" dirty="0" smtClean="0">
+                <a:latin typeface="Arial" pitchFamily="34" charset="0"/>
+                <a:cs typeface="Arial" pitchFamily="34" charset="0"/>
+              </a:rPr>
+              <a:t> a data </a:t>
+            </a:r>
+            <a:r>
+              <a:rPr lang="pt-BR" sz="3500" dirty="0" err="1" smtClean="0">
+                <a:latin typeface="Arial" pitchFamily="34" charset="0"/>
+                <a:cs typeface="Arial" pitchFamily="34" charset="0"/>
+              </a:rPr>
+              <a:t>queue</a:t>
             </a:r>
             <a:r>
               <a:rPr lang="pt-BR" sz="3500" dirty="0" smtClean="0">
@@ -8242,6 +8332,244 @@
                 <a:latin typeface="Arial" pitchFamily="34" charset="0"/>
                 <a:cs typeface="Arial" pitchFamily="34" charset="0"/>
               </a:rPr>
+              <a:t>is</a:t>
+            </a:r>
+            <a:r>
+              <a:rPr lang="pt-BR" sz="3500" dirty="0" smtClean="0">
+                <a:latin typeface="Arial" pitchFamily="34" charset="0"/>
+                <a:cs typeface="Arial" pitchFamily="34" charset="0"/>
+              </a:rPr>
+              <a:t> </a:t>
+            </a:r>
+            <a:r>
+              <a:rPr lang="pt-BR" sz="3500" dirty="0" err="1" smtClean="0">
+                <a:latin typeface="Arial" pitchFamily="34" charset="0"/>
+                <a:cs typeface="Arial" pitchFamily="34" charset="0"/>
+              </a:rPr>
+              <a:t>consumed</a:t>
+            </a:r>
+            <a:r>
+              <a:rPr lang="pt-BR" sz="3500" dirty="0" smtClean="0">
+                <a:latin typeface="Arial" pitchFamily="34" charset="0"/>
+                <a:cs typeface="Arial" pitchFamily="34" charset="0"/>
+              </a:rPr>
+              <a:t> </a:t>
+            </a:r>
+            <a:r>
+              <a:rPr lang="pt-BR" sz="3500" dirty="0" err="1" smtClean="0">
+                <a:latin typeface="Arial" pitchFamily="34" charset="0"/>
+                <a:cs typeface="Arial" pitchFamily="34" charset="0"/>
+              </a:rPr>
+              <a:t>by</a:t>
+            </a:r>
+            <a:r>
+              <a:rPr lang="pt-BR" sz="3500" dirty="0" smtClean="0">
+                <a:latin typeface="Arial" pitchFamily="34" charset="0"/>
+                <a:cs typeface="Arial" pitchFamily="34" charset="0"/>
+              </a:rPr>
+              <a:t> </a:t>
+            </a:r>
+            <a:r>
+              <a:rPr lang="pt-BR" sz="3500" dirty="0" err="1" smtClean="0">
+                <a:latin typeface="Arial" pitchFamily="34" charset="0"/>
+                <a:cs typeface="Arial" pitchFamily="34" charset="0"/>
+              </a:rPr>
+              <a:t>another</a:t>
+            </a:r>
+            <a:r>
+              <a:rPr lang="pt-BR" sz="3500" dirty="0" smtClean="0">
+                <a:latin typeface="Arial" pitchFamily="34" charset="0"/>
+                <a:cs typeface="Arial" pitchFamily="34" charset="0"/>
+              </a:rPr>
+              <a:t> thread </a:t>
+            </a:r>
+            <a:r>
+              <a:rPr lang="pt-BR" sz="3500" dirty="0" err="1" smtClean="0">
+                <a:latin typeface="Arial" pitchFamily="34" charset="0"/>
+                <a:cs typeface="Arial" pitchFamily="34" charset="0"/>
+              </a:rPr>
+              <a:t>that</a:t>
+            </a:r>
+            <a:r>
+              <a:rPr lang="pt-BR" sz="3500" dirty="0" smtClean="0">
+                <a:latin typeface="Arial" pitchFamily="34" charset="0"/>
+                <a:cs typeface="Arial" pitchFamily="34" charset="0"/>
+              </a:rPr>
+              <a:t> </a:t>
+            </a:r>
+            <a:r>
+              <a:rPr lang="pt-BR" sz="3500" dirty="0" err="1" smtClean="0">
+                <a:latin typeface="Arial" pitchFamily="34" charset="0"/>
+                <a:cs typeface="Arial" pitchFamily="34" charset="0"/>
+              </a:rPr>
+              <a:t>handles</a:t>
+            </a:r>
+            <a:r>
+              <a:rPr lang="pt-BR" sz="3500" dirty="0" smtClean="0">
+                <a:latin typeface="Arial" pitchFamily="34" charset="0"/>
+                <a:cs typeface="Arial" pitchFamily="34" charset="0"/>
+              </a:rPr>
+              <a:t> </a:t>
+            </a:r>
+            <a:r>
+              <a:rPr lang="pt-BR" sz="3500" dirty="0" err="1" smtClean="0">
+                <a:latin typeface="Arial" pitchFamily="34" charset="0"/>
+                <a:cs typeface="Arial" pitchFamily="34" charset="0"/>
+              </a:rPr>
+              <a:t>the</a:t>
+            </a:r>
+            <a:r>
+              <a:rPr lang="pt-BR" sz="3500" dirty="0" smtClean="0">
+                <a:latin typeface="Arial" pitchFamily="34" charset="0"/>
+                <a:cs typeface="Arial" pitchFamily="34" charset="0"/>
+              </a:rPr>
+              <a:t> data </a:t>
+            </a:r>
+            <a:r>
+              <a:rPr lang="pt-BR" sz="3500" dirty="0" err="1" smtClean="0">
+                <a:latin typeface="Arial" pitchFamily="34" charset="0"/>
+                <a:cs typeface="Arial" pitchFamily="34" charset="0"/>
+              </a:rPr>
+              <a:t>and</a:t>
+            </a:r>
+            <a:r>
+              <a:rPr lang="pt-BR" sz="3500" dirty="0" smtClean="0">
+                <a:latin typeface="Arial" pitchFamily="34" charset="0"/>
+                <a:cs typeface="Arial" pitchFamily="34" charset="0"/>
+              </a:rPr>
+              <a:t> passes </a:t>
+            </a:r>
+            <a:r>
+              <a:rPr lang="pt-BR" sz="3500" dirty="0" err="1" smtClean="0">
+                <a:latin typeface="Arial" pitchFamily="34" charset="0"/>
+                <a:cs typeface="Arial" pitchFamily="34" charset="0"/>
+              </a:rPr>
+              <a:t>events</a:t>
+            </a:r>
+            <a:r>
+              <a:rPr lang="pt-BR" sz="3500" dirty="0" smtClean="0">
+                <a:latin typeface="Arial" pitchFamily="34" charset="0"/>
+                <a:cs typeface="Arial" pitchFamily="34" charset="0"/>
+              </a:rPr>
+              <a:t> </a:t>
+            </a:r>
+            <a:r>
+              <a:rPr lang="pt-BR" sz="3500" dirty="0" err="1" smtClean="0">
+                <a:latin typeface="Arial" pitchFamily="34" charset="0"/>
+                <a:cs typeface="Arial" pitchFamily="34" charset="0"/>
+              </a:rPr>
+              <a:t>to</a:t>
+            </a:r>
+            <a:r>
+              <a:rPr lang="pt-BR" sz="3500" dirty="0" smtClean="0">
+                <a:latin typeface="Arial" pitchFamily="34" charset="0"/>
+                <a:cs typeface="Arial" pitchFamily="34" charset="0"/>
+              </a:rPr>
+              <a:t> </a:t>
+            </a:r>
+            <a:r>
+              <a:rPr lang="pt-BR" sz="3500" dirty="0" err="1" smtClean="0">
+                <a:latin typeface="Arial" pitchFamily="34" charset="0"/>
+                <a:cs typeface="Arial" pitchFamily="34" charset="0"/>
+              </a:rPr>
+              <a:t>the</a:t>
+            </a:r>
+            <a:r>
+              <a:rPr lang="pt-BR" sz="3500" dirty="0" smtClean="0">
+                <a:latin typeface="Arial" pitchFamily="34" charset="0"/>
+                <a:cs typeface="Arial" pitchFamily="34" charset="0"/>
+              </a:rPr>
+              <a:t> GUI </a:t>
+            </a:r>
+            <a:r>
+              <a:rPr lang="pt-BR" sz="3500" dirty="0" err="1" smtClean="0">
+                <a:latin typeface="Arial" pitchFamily="34" charset="0"/>
+                <a:cs typeface="Arial" pitchFamily="34" charset="0"/>
+              </a:rPr>
+              <a:t>to</a:t>
+            </a:r>
+            <a:r>
+              <a:rPr lang="pt-BR" sz="3500" dirty="0" smtClean="0">
+                <a:latin typeface="Arial" pitchFamily="34" charset="0"/>
+                <a:cs typeface="Arial" pitchFamily="34" charset="0"/>
+              </a:rPr>
+              <a:t> </a:t>
+            </a:r>
+            <a:r>
+              <a:rPr lang="pt-BR" sz="3500" dirty="0" err="1" smtClean="0">
+                <a:latin typeface="Arial" pitchFamily="34" charset="0"/>
+                <a:cs typeface="Arial" pitchFamily="34" charset="0"/>
+              </a:rPr>
+              <a:t>print</a:t>
+            </a:r>
+            <a:r>
+              <a:rPr lang="pt-BR" sz="3500" dirty="0" smtClean="0">
+                <a:latin typeface="Arial" pitchFamily="34" charset="0"/>
+                <a:cs typeface="Arial" pitchFamily="34" charset="0"/>
+              </a:rPr>
+              <a:t> </a:t>
+            </a:r>
+            <a:r>
+              <a:rPr lang="pt-BR" sz="3500" dirty="0" err="1" smtClean="0">
+                <a:latin typeface="Arial" pitchFamily="34" charset="0"/>
+                <a:cs typeface="Arial" pitchFamily="34" charset="0"/>
+              </a:rPr>
+              <a:t>the</a:t>
+            </a:r>
+            <a:r>
+              <a:rPr lang="pt-BR" sz="3500" dirty="0" smtClean="0">
+                <a:latin typeface="Arial" pitchFamily="34" charset="0"/>
+                <a:cs typeface="Arial" pitchFamily="34" charset="0"/>
+              </a:rPr>
+              <a:t> </a:t>
+            </a:r>
+            <a:r>
+              <a:rPr lang="pt-BR" sz="3500" dirty="0" err="1" smtClean="0">
+                <a:latin typeface="Arial" pitchFamily="34" charset="0"/>
+                <a:cs typeface="Arial" pitchFamily="34" charset="0"/>
+              </a:rPr>
+              <a:t>information</a:t>
+            </a:r>
+            <a:r>
+              <a:rPr lang="pt-BR" sz="3500" dirty="0" smtClean="0">
+                <a:latin typeface="Arial" pitchFamily="34" charset="0"/>
+                <a:cs typeface="Arial" pitchFamily="34" charset="0"/>
+              </a:rPr>
+              <a:t>. </a:t>
+            </a:r>
+            <a:r>
+              <a:rPr lang="pt-BR" sz="3500" dirty="0" err="1" smtClean="0">
+                <a:latin typeface="Arial" pitchFamily="34" charset="0"/>
+                <a:cs typeface="Arial" pitchFamily="34" charset="0"/>
+              </a:rPr>
+              <a:t>Additionaly</a:t>
+            </a:r>
+            <a:r>
+              <a:rPr lang="pt-BR" sz="3500" dirty="0" smtClean="0">
+                <a:latin typeface="Arial" pitchFamily="34" charset="0"/>
+                <a:cs typeface="Arial" pitchFamily="34" charset="0"/>
+              </a:rPr>
+              <a:t>, </a:t>
+            </a:r>
+            <a:r>
+              <a:rPr lang="pt-BR" sz="3500" dirty="0" err="1" smtClean="0">
+                <a:latin typeface="Arial" pitchFamily="34" charset="0"/>
+                <a:cs typeface="Arial" pitchFamily="34" charset="0"/>
+              </a:rPr>
+              <a:t>alarms</a:t>
+            </a:r>
+            <a:r>
+              <a:rPr lang="pt-BR" sz="3500" dirty="0" smtClean="0">
+                <a:latin typeface="Arial" pitchFamily="34" charset="0"/>
+                <a:cs typeface="Arial" pitchFamily="34" charset="0"/>
+              </a:rPr>
+              <a:t> </a:t>
+            </a:r>
+            <a:r>
+              <a:rPr lang="pt-BR" sz="3500" dirty="0" err="1" smtClean="0">
+                <a:latin typeface="Arial" pitchFamily="34" charset="0"/>
+                <a:cs typeface="Arial" pitchFamily="34" charset="0"/>
+              </a:rPr>
               <a:t>can</a:t>
             </a:r>
             <a:r>
@@ -8270,7 +8598,105 @@
                 <a:latin typeface="Arial" pitchFamily="34" charset="0"/>
                 <a:cs typeface="Arial" pitchFamily="34" charset="0"/>
               </a:rPr>
-              <a:t>connected</a:t>
+              <a:t>configured</a:t>
+            </a:r>
+            <a:r>
+              <a:rPr lang="pt-BR" sz="3500" dirty="0" smtClean="0">
+                <a:latin typeface="Arial" pitchFamily="34" charset="0"/>
+                <a:cs typeface="Arial" pitchFamily="34" charset="0"/>
+              </a:rPr>
+              <a:t> </a:t>
+            </a:r>
+            <a:r>
+              <a:rPr lang="pt-BR" sz="3500" dirty="0" err="1" smtClean="0">
+                <a:latin typeface="Arial" pitchFamily="34" charset="0"/>
+                <a:cs typeface="Arial" pitchFamily="34" charset="0"/>
+              </a:rPr>
+              <a:t>and</a:t>
+            </a:r>
+            <a:r>
+              <a:rPr lang="pt-BR" sz="3500" dirty="0" smtClean="0">
+                <a:latin typeface="Arial" pitchFamily="34" charset="0"/>
+                <a:cs typeface="Arial" pitchFamily="34" charset="0"/>
+              </a:rPr>
+              <a:t> </a:t>
+            </a:r>
+            <a:r>
+              <a:rPr lang="pt-BR" sz="3500" dirty="0" err="1" smtClean="0">
+                <a:latin typeface="Arial" pitchFamily="34" charset="0"/>
+                <a:cs typeface="Arial" pitchFamily="34" charset="0"/>
+              </a:rPr>
+              <a:t>all</a:t>
+            </a:r>
+            <a:r>
+              <a:rPr lang="pt-BR" sz="3500" dirty="0" smtClean="0">
+                <a:latin typeface="Arial" pitchFamily="34" charset="0"/>
+                <a:cs typeface="Arial" pitchFamily="34" charset="0"/>
+              </a:rPr>
+              <a:t> </a:t>
+            </a:r>
+            <a:r>
+              <a:rPr lang="pt-BR" sz="3500" dirty="0" err="1" smtClean="0">
+                <a:latin typeface="Arial" pitchFamily="34" charset="0"/>
+                <a:cs typeface="Arial" pitchFamily="34" charset="0"/>
+              </a:rPr>
+              <a:t>the</a:t>
+            </a:r>
+            <a:r>
+              <a:rPr lang="pt-BR" sz="3500" dirty="0" smtClean="0">
+                <a:latin typeface="Arial" pitchFamily="34" charset="0"/>
+                <a:cs typeface="Arial" pitchFamily="34" charset="0"/>
+              </a:rPr>
+              <a:t> medical </a:t>
+            </a:r>
+            <a:r>
+              <a:rPr lang="pt-BR" sz="3500" dirty="0" err="1" smtClean="0">
+                <a:latin typeface="Arial" pitchFamily="34" charset="0"/>
+                <a:cs typeface="Arial" pitchFamily="34" charset="0"/>
+              </a:rPr>
+              <a:t>information</a:t>
+            </a:r>
+            <a:r>
+              <a:rPr lang="pt-BR" sz="3500" dirty="0" smtClean="0">
+                <a:latin typeface="Arial" pitchFamily="34" charset="0"/>
+                <a:cs typeface="Arial" pitchFamily="34" charset="0"/>
+              </a:rPr>
+              <a:t> </a:t>
+            </a:r>
+            <a:r>
+              <a:rPr lang="pt-BR" sz="3500" dirty="0" err="1" smtClean="0">
+                <a:latin typeface="Arial" pitchFamily="34" charset="0"/>
+                <a:cs typeface="Arial" pitchFamily="34" charset="0"/>
+              </a:rPr>
+              <a:t>has</a:t>
+            </a:r>
+            <a:r>
+              <a:rPr lang="pt-BR" sz="3500" dirty="0" smtClean="0">
+                <a:latin typeface="Arial" pitchFamily="34" charset="0"/>
+                <a:cs typeface="Arial" pitchFamily="34" charset="0"/>
+              </a:rPr>
+              <a:t> </a:t>
+            </a:r>
+            <a:r>
+              <a:rPr lang="pt-BR" sz="3500" dirty="0" err="1" smtClean="0">
+                <a:latin typeface="Arial" pitchFamily="34" charset="0"/>
+                <a:cs typeface="Arial" pitchFamily="34" charset="0"/>
+              </a:rPr>
+              <a:t>been</a:t>
+            </a:r>
+            <a:r>
+              <a:rPr lang="pt-BR" sz="3500" dirty="0" smtClean="0">
+                <a:latin typeface="Arial" pitchFamily="34" charset="0"/>
+                <a:cs typeface="Arial" pitchFamily="34" charset="0"/>
+              </a:rPr>
+              <a:t> </a:t>
+            </a:r>
+            <a:r>
+              <a:rPr lang="pt-BR" sz="3500" dirty="0" err="1" smtClean="0">
+                <a:latin typeface="Arial" pitchFamily="34" charset="0"/>
+                <a:cs typeface="Arial" pitchFamily="34" charset="0"/>
+              </a:rPr>
+              <a:t>parsed</a:t>
             </a:r>
             <a:r>
               <a:rPr lang="pt-BR" sz="3500" dirty="0" smtClean="0">
@@ -8291,743 +8717,123 @@
                 <a:latin typeface="Arial" pitchFamily="34" charset="0"/>
                 <a:cs typeface="Arial" pitchFamily="34" charset="0"/>
               </a:rPr>
-              <a:t> </a:t>
-            </a:r>
-            <a:r>
-              <a:rPr lang="pt-BR" sz="3500" dirty="0" err="1" smtClean="0">
+              <a:t> HL7 standards [4]. </a:t>
+            </a:r>
+          </a:p>
+          <a:p>
+            <a:pPr algn="just"/>
+            <a:r>
+              <a:rPr lang="pt-BR" sz="3500" dirty="0" smtClean="0">
+                <a:latin typeface="Arial" pitchFamily="34" charset="0"/>
+                <a:cs typeface="Arial" pitchFamily="34" charset="0"/>
+              </a:rPr>
+              <a:t>Figure </a:t>
+            </a:r>
+            <a:r>
+              <a:rPr lang="pt-BR" sz="3500" dirty="0">
+                <a:latin typeface="Arial" pitchFamily="34" charset="0"/>
+                <a:cs typeface="Arial" pitchFamily="34" charset="0"/>
+              </a:rPr>
+              <a:t>2 </a:t>
+            </a:r>
+            <a:r>
+              <a:rPr lang="pt-BR" sz="3500" dirty="0" err="1">
+                <a:latin typeface="Arial" pitchFamily="34" charset="0"/>
+                <a:cs typeface="Arial" pitchFamily="34" charset="0"/>
+              </a:rPr>
+              <a:t>presents</a:t>
+            </a:r>
+            <a:r>
+              <a:rPr lang="pt-BR" sz="3500" dirty="0">
+                <a:latin typeface="Arial" pitchFamily="34" charset="0"/>
+                <a:cs typeface="Arial" pitchFamily="34" charset="0"/>
+              </a:rPr>
+              <a:t> </a:t>
+            </a:r>
+            <a:r>
+              <a:rPr lang="pt-BR" sz="3500" dirty="0" err="1">
                 <a:latin typeface="Arial" pitchFamily="34" charset="0"/>
                 <a:cs typeface="Arial" pitchFamily="34" charset="0"/>
               </a:rPr>
               <a:t>the</a:t>
             </a:r>
             <a:r>
-              <a:rPr lang="pt-BR" sz="3500" dirty="0" smtClean="0">
-                <a:latin typeface="Arial" pitchFamily="34" charset="0"/>
-                <a:cs typeface="Arial" pitchFamily="34" charset="0"/>
-              </a:rPr>
-              <a:t> </a:t>
-            </a:r>
-            <a:r>
-              <a:rPr lang="pt-BR" sz="3500" dirty="0" err="1" smtClean="0">
-                <a:latin typeface="Arial" pitchFamily="34" charset="0"/>
-                <a:cs typeface="Arial" pitchFamily="34" charset="0"/>
-              </a:rPr>
-              <a:t>monitoring</a:t>
-            </a:r>
-            <a:r>
-              <a:rPr lang="pt-BR" sz="3500" dirty="0" smtClean="0">
-                <a:latin typeface="Arial" pitchFamily="34" charset="0"/>
-                <a:cs typeface="Arial" pitchFamily="34" charset="0"/>
-              </a:rPr>
-              <a:t> center, </a:t>
-            </a:r>
-            <a:r>
-              <a:rPr lang="pt-BR" sz="3500" dirty="0" err="1" smtClean="0">
-                <a:latin typeface="Arial" pitchFamily="34" charset="0"/>
-                <a:cs typeface="Arial" pitchFamily="34" charset="0"/>
-              </a:rPr>
-              <a:t>who</a:t>
-            </a:r>
-            <a:r>
-              <a:rPr lang="pt-BR" sz="3500" dirty="0" smtClean="0">
-                <a:latin typeface="Arial" pitchFamily="34" charset="0"/>
-                <a:cs typeface="Arial" pitchFamily="34" charset="0"/>
-              </a:rPr>
-              <a:t> </a:t>
-            </a:r>
-            <a:r>
-              <a:rPr lang="pt-BR" sz="3500" dirty="0" err="1" smtClean="0">
-                <a:latin typeface="Arial" pitchFamily="34" charset="0"/>
-                <a:cs typeface="Arial" pitchFamily="34" charset="0"/>
-              </a:rPr>
-              <a:t>is</a:t>
-            </a:r>
-            <a:r>
-              <a:rPr lang="pt-BR" sz="3500" dirty="0" smtClean="0">
-                <a:latin typeface="Arial" pitchFamily="34" charset="0"/>
-                <a:cs typeface="Arial" pitchFamily="34" charset="0"/>
-              </a:rPr>
-              <a:t> </a:t>
-            </a:r>
-            <a:r>
-              <a:rPr lang="pt-BR" sz="3500" dirty="0" err="1" smtClean="0">
+              <a:rPr lang="pt-BR" sz="3500" dirty="0">
+                <a:latin typeface="Arial" pitchFamily="34" charset="0"/>
+                <a:cs typeface="Arial" pitchFamily="34" charset="0"/>
+              </a:rPr>
+              <a:t> </a:t>
+            </a:r>
+            <a:r>
+              <a:rPr lang="pt-BR" sz="3500" dirty="0" err="1">
+                <a:latin typeface="Arial" pitchFamily="34" charset="0"/>
+                <a:cs typeface="Arial" pitchFamily="34" charset="0"/>
+              </a:rPr>
+              <a:t>block</a:t>
+            </a:r>
+            <a:r>
+              <a:rPr lang="pt-BR" sz="3500" dirty="0">
+                <a:latin typeface="Arial" pitchFamily="34" charset="0"/>
+                <a:cs typeface="Arial" pitchFamily="34" charset="0"/>
+              </a:rPr>
+              <a:t> </a:t>
+            </a:r>
+            <a:r>
+              <a:rPr lang="pt-BR" sz="3500" dirty="0" err="1">
+                <a:latin typeface="Arial" pitchFamily="34" charset="0"/>
+                <a:cs typeface="Arial" pitchFamily="34" charset="0"/>
+              </a:rPr>
+              <a:t>diagram</a:t>
+            </a:r>
+            <a:r>
+              <a:rPr lang="pt-BR" sz="3500" dirty="0">
+                <a:latin typeface="Arial" pitchFamily="34" charset="0"/>
+                <a:cs typeface="Arial" pitchFamily="34" charset="0"/>
+              </a:rPr>
+              <a:t> </a:t>
+            </a:r>
+            <a:r>
+              <a:rPr lang="pt-BR" sz="3500" dirty="0" err="1">
+                <a:latin typeface="Arial" pitchFamily="34" charset="0"/>
+                <a:cs typeface="Arial" pitchFamily="34" charset="0"/>
+              </a:rPr>
+              <a:t>of</a:t>
+            </a:r>
+            <a:r>
+              <a:rPr lang="pt-BR" sz="3500" dirty="0">
+                <a:latin typeface="Arial" pitchFamily="34" charset="0"/>
+                <a:cs typeface="Arial" pitchFamily="34" charset="0"/>
+              </a:rPr>
+              <a:t> </a:t>
+            </a:r>
+            <a:r>
+              <a:rPr lang="pt-BR" sz="3500" dirty="0" err="1">
                 <a:latin typeface="Arial" pitchFamily="34" charset="0"/>
                 <a:cs typeface="Arial" pitchFamily="34" charset="0"/>
               </a:rPr>
               <a:t>the</a:t>
             </a:r>
             <a:r>
-              <a:rPr lang="pt-BR" sz="3500" dirty="0" smtClean="0">
-                <a:latin typeface="Arial" pitchFamily="34" charset="0"/>
-                <a:cs typeface="Arial" pitchFamily="34" charset="0"/>
-              </a:rPr>
-              <a:t> server, via network communication. The later </a:t>
-            </a:r>
-            <a:r>
-              <a:rPr lang="pt-BR" sz="3500" dirty="0" err="1" smtClean="0">
-                <a:latin typeface="Arial" pitchFamily="34" charset="0"/>
-                <a:cs typeface="Arial" pitchFamily="34" charset="0"/>
-              </a:rPr>
-              <a:t>is</a:t>
-            </a:r>
-            <a:r>
-              <a:rPr lang="pt-BR" sz="3500" dirty="0" smtClean="0">
-                <a:latin typeface="Arial" pitchFamily="34" charset="0"/>
-                <a:cs typeface="Arial" pitchFamily="34" charset="0"/>
-              </a:rPr>
-              <a:t> a </a:t>
-            </a:r>
-            <a:r>
-              <a:rPr lang="pt-BR" sz="3500" dirty="0" err="1" smtClean="0">
-                <a:latin typeface="Arial" pitchFamily="34" charset="0"/>
-                <a:cs typeface="Arial" pitchFamily="34" charset="0"/>
-              </a:rPr>
-              <a:t>multithreaded</a:t>
-            </a:r>
-            <a:r>
-              <a:rPr lang="pt-BR" sz="3500" dirty="0" smtClean="0">
-                <a:latin typeface="Arial" pitchFamily="34" charset="0"/>
-                <a:cs typeface="Arial" pitchFamily="34" charset="0"/>
-              </a:rPr>
-              <a:t> </a:t>
-            </a:r>
-            <a:r>
-              <a:rPr lang="pt-BR" sz="3500" dirty="0" err="1" smtClean="0">
-                <a:latin typeface="Arial" pitchFamily="34" charset="0"/>
-                <a:cs typeface="Arial" pitchFamily="34" charset="0"/>
-              </a:rPr>
-              <a:t>application</a:t>
-            </a:r>
-            <a:r>
-              <a:rPr lang="pt-BR" sz="3500" dirty="0" smtClean="0">
-                <a:latin typeface="Arial" pitchFamily="34" charset="0"/>
-                <a:cs typeface="Arial" pitchFamily="34" charset="0"/>
-              </a:rPr>
-              <a:t> </a:t>
-            </a:r>
-            <a:r>
-              <a:rPr lang="pt-BR" sz="3500" dirty="0" err="1" smtClean="0">
-                <a:latin typeface="Arial" pitchFamily="34" charset="0"/>
-                <a:cs typeface="Arial" pitchFamily="34" charset="0"/>
-              </a:rPr>
-              <a:t>which</a:t>
-            </a:r>
-            <a:r>
-              <a:rPr lang="pt-BR" sz="3500" dirty="0" smtClean="0">
-                <a:latin typeface="Arial" pitchFamily="34" charset="0"/>
-                <a:cs typeface="Arial" pitchFamily="34" charset="0"/>
-              </a:rPr>
-              <a:t> </a:t>
-            </a:r>
-            <a:r>
-              <a:rPr lang="pt-BR" sz="3500" dirty="0" err="1" smtClean="0">
-                <a:latin typeface="Arial" pitchFamily="34" charset="0"/>
-                <a:cs typeface="Arial" pitchFamily="34" charset="0"/>
-              </a:rPr>
-              <a:t>receives</a:t>
-            </a:r>
-            <a:r>
-              <a:rPr lang="pt-BR" sz="3500" dirty="0" smtClean="0">
-                <a:latin typeface="Arial" pitchFamily="34" charset="0"/>
-                <a:cs typeface="Arial" pitchFamily="34" charset="0"/>
-              </a:rPr>
-              <a:t> </a:t>
-            </a:r>
-            <a:r>
-              <a:rPr lang="pt-BR" sz="3500" dirty="0" err="1" smtClean="0">
-                <a:latin typeface="Arial" pitchFamily="34" charset="0"/>
-                <a:cs typeface="Arial" pitchFamily="34" charset="0"/>
-              </a:rPr>
-              <a:t>the</a:t>
-            </a:r>
-            <a:r>
-              <a:rPr lang="pt-BR" sz="3500" dirty="0" smtClean="0">
-                <a:latin typeface="Arial" pitchFamily="34" charset="0"/>
-                <a:cs typeface="Arial" pitchFamily="34" charset="0"/>
-              </a:rPr>
-              <a:t> </a:t>
-            </a:r>
-            <a:r>
-              <a:rPr lang="pt-BR" sz="3500" dirty="0" err="1" smtClean="0">
-                <a:latin typeface="Arial" pitchFamily="34" charset="0"/>
-                <a:cs typeface="Arial" pitchFamily="34" charset="0"/>
-              </a:rPr>
-              <a:t>incoming</a:t>
-            </a:r>
-            <a:r>
-              <a:rPr lang="pt-BR" sz="3500" dirty="0" smtClean="0">
-                <a:latin typeface="Arial" pitchFamily="34" charset="0"/>
-                <a:cs typeface="Arial" pitchFamily="34" charset="0"/>
-              </a:rPr>
-              <a:t> data </a:t>
-            </a:r>
-            <a:r>
-              <a:rPr lang="pt-BR" sz="3500" dirty="0" err="1" smtClean="0">
-                <a:latin typeface="Arial" pitchFamily="34" charset="0"/>
-                <a:cs typeface="Arial" pitchFamily="34" charset="0"/>
-              </a:rPr>
-              <a:t>and</a:t>
-            </a:r>
-            <a:r>
-              <a:rPr lang="pt-BR" sz="3500" dirty="0" smtClean="0">
-                <a:latin typeface="Arial" pitchFamily="34" charset="0"/>
-                <a:cs typeface="Arial" pitchFamily="34" charset="0"/>
-              </a:rPr>
-              <a:t> passes it </a:t>
-            </a:r>
-            <a:r>
-              <a:rPr lang="pt-BR" sz="3500" dirty="0" err="1" smtClean="0">
-                <a:latin typeface="Arial" pitchFamily="34" charset="0"/>
-                <a:cs typeface="Arial" pitchFamily="34" charset="0"/>
-              </a:rPr>
-              <a:t>to</a:t>
-            </a:r>
-            <a:r>
-              <a:rPr lang="pt-BR" sz="3500" dirty="0" smtClean="0">
-                <a:latin typeface="Arial" pitchFamily="34" charset="0"/>
-                <a:cs typeface="Arial" pitchFamily="34" charset="0"/>
-              </a:rPr>
-              <a:t> a data </a:t>
-            </a:r>
-            <a:r>
-              <a:rPr lang="pt-BR" sz="3500" dirty="0" err="1" smtClean="0">
-                <a:latin typeface="Arial" pitchFamily="34" charset="0"/>
-                <a:cs typeface="Arial" pitchFamily="34" charset="0"/>
-              </a:rPr>
-              <a:t>queue</a:t>
-            </a:r>
-            <a:r>
-              <a:rPr lang="pt-BR" sz="3500" dirty="0" smtClean="0">
-                <a:latin typeface="Arial" pitchFamily="34" charset="0"/>
-                <a:cs typeface="Arial" pitchFamily="34" charset="0"/>
-              </a:rPr>
-              <a:t> </a:t>
-            </a:r>
-            <a:r>
-              <a:rPr lang="pt-BR" sz="3500" dirty="0" err="1" smtClean="0">
-                <a:latin typeface="Arial" pitchFamily="34" charset="0"/>
-                <a:cs typeface="Arial" pitchFamily="34" charset="0"/>
-              </a:rPr>
-              <a:t>that</a:t>
-            </a:r>
-            <a:r>
-              <a:rPr lang="pt-BR" sz="3500" dirty="0" smtClean="0">
-                <a:latin typeface="Arial" pitchFamily="34" charset="0"/>
-                <a:cs typeface="Arial" pitchFamily="34" charset="0"/>
-              </a:rPr>
-              <a:t> </a:t>
-            </a:r>
-            <a:r>
-              <a:rPr lang="pt-BR" sz="3500" dirty="0" err="1" smtClean="0">
-                <a:latin typeface="Arial" pitchFamily="34" charset="0"/>
-                <a:cs typeface="Arial" pitchFamily="34" charset="0"/>
-              </a:rPr>
-              <a:t>is</a:t>
-            </a:r>
-            <a:r>
-              <a:rPr lang="pt-BR" sz="3500" dirty="0" smtClean="0">
-                <a:latin typeface="Arial" pitchFamily="34" charset="0"/>
-                <a:cs typeface="Arial" pitchFamily="34" charset="0"/>
-              </a:rPr>
-              <a:t> </a:t>
-            </a:r>
-            <a:r>
-              <a:rPr lang="pt-BR" sz="3500" dirty="0" err="1" smtClean="0">
-                <a:latin typeface="Arial" pitchFamily="34" charset="0"/>
-                <a:cs typeface="Arial" pitchFamily="34" charset="0"/>
-              </a:rPr>
-              <a:t>consumed</a:t>
-            </a:r>
-            <a:r>
-              <a:rPr lang="pt-BR" sz="3500" dirty="0" smtClean="0">
-                <a:latin typeface="Arial" pitchFamily="34" charset="0"/>
-                <a:cs typeface="Arial" pitchFamily="34" charset="0"/>
-              </a:rPr>
-              <a:t> </a:t>
-            </a:r>
-            <a:r>
-              <a:rPr lang="pt-BR" sz="3500" dirty="0" err="1" smtClean="0">
-                <a:latin typeface="Arial" pitchFamily="34" charset="0"/>
-                <a:cs typeface="Arial" pitchFamily="34" charset="0"/>
-              </a:rPr>
-              <a:t>by</a:t>
-            </a:r>
-            <a:r>
-              <a:rPr lang="pt-BR" sz="3500" dirty="0" smtClean="0">
-                <a:latin typeface="Arial" pitchFamily="34" charset="0"/>
-                <a:cs typeface="Arial" pitchFamily="34" charset="0"/>
-              </a:rPr>
-              <a:t> </a:t>
-            </a:r>
-            <a:r>
-              <a:rPr lang="pt-BR" sz="3500" dirty="0" err="1" smtClean="0">
-                <a:latin typeface="Arial" pitchFamily="34" charset="0"/>
-                <a:cs typeface="Arial" pitchFamily="34" charset="0"/>
-              </a:rPr>
-              <a:t>another</a:t>
-            </a:r>
-            <a:r>
-              <a:rPr lang="pt-BR" sz="3500" dirty="0" smtClean="0">
-                <a:latin typeface="Arial" pitchFamily="34" charset="0"/>
-                <a:cs typeface="Arial" pitchFamily="34" charset="0"/>
-              </a:rPr>
-              <a:t> thread </a:t>
-            </a:r>
-            <a:r>
-              <a:rPr lang="pt-BR" sz="3500" dirty="0" err="1" smtClean="0">
-                <a:latin typeface="Arial" pitchFamily="34" charset="0"/>
-                <a:cs typeface="Arial" pitchFamily="34" charset="0"/>
-              </a:rPr>
-              <a:t>that</a:t>
-            </a:r>
-            <a:r>
-              <a:rPr lang="pt-BR" sz="3500" dirty="0" smtClean="0">
-                <a:latin typeface="Arial" pitchFamily="34" charset="0"/>
-                <a:cs typeface="Arial" pitchFamily="34" charset="0"/>
-              </a:rPr>
-              <a:t> </a:t>
-            </a:r>
-            <a:r>
-              <a:rPr lang="pt-BR" sz="3500" dirty="0" err="1" smtClean="0">
-                <a:latin typeface="Arial" pitchFamily="34" charset="0"/>
-                <a:cs typeface="Arial" pitchFamily="34" charset="0"/>
-              </a:rPr>
-              <a:t>handles</a:t>
-            </a:r>
-            <a:r>
-              <a:rPr lang="pt-BR" sz="3500" dirty="0" smtClean="0">
-                <a:latin typeface="Arial" pitchFamily="34" charset="0"/>
-                <a:cs typeface="Arial" pitchFamily="34" charset="0"/>
-              </a:rPr>
-              <a:t> </a:t>
-            </a:r>
-            <a:r>
-              <a:rPr lang="pt-BR" sz="3500" dirty="0" err="1" smtClean="0">
-                <a:latin typeface="Arial" pitchFamily="34" charset="0"/>
-                <a:cs typeface="Arial" pitchFamily="34" charset="0"/>
-              </a:rPr>
-              <a:t>the</a:t>
-            </a:r>
-            <a:r>
-              <a:rPr lang="pt-BR" sz="3500" dirty="0" smtClean="0">
-                <a:latin typeface="Arial" pitchFamily="34" charset="0"/>
-                <a:cs typeface="Arial" pitchFamily="34" charset="0"/>
-              </a:rPr>
-              <a:t> data </a:t>
-            </a:r>
-            <a:r>
-              <a:rPr lang="pt-BR" sz="3500" dirty="0" err="1" smtClean="0">
-                <a:latin typeface="Arial" pitchFamily="34" charset="0"/>
-                <a:cs typeface="Arial" pitchFamily="34" charset="0"/>
-              </a:rPr>
-              <a:t>and</a:t>
-            </a:r>
-            <a:r>
-              <a:rPr lang="pt-BR" sz="3500" dirty="0" smtClean="0">
-                <a:latin typeface="Arial" pitchFamily="34" charset="0"/>
-                <a:cs typeface="Arial" pitchFamily="34" charset="0"/>
-              </a:rPr>
-              <a:t> passes </a:t>
-            </a:r>
-            <a:r>
-              <a:rPr lang="pt-BR" sz="3500" dirty="0" err="1" smtClean="0">
-                <a:latin typeface="Arial" pitchFamily="34" charset="0"/>
-                <a:cs typeface="Arial" pitchFamily="34" charset="0"/>
-              </a:rPr>
-              <a:t>events</a:t>
-            </a:r>
-            <a:r>
-              <a:rPr lang="pt-BR" sz="3500" dirty="0" smtClean="0">
-                <a:latin typeface="Arial" pitchFamily="34" charset="0"/>
-                <a:cs typeface="Arial" pitchFamily="34" charset="0"/>
-              </a:rPr>
-              <a:t> </a:t>
-            </a:r>
-            <a:r>
-              <a:rPr lang="pt-BR" sz="3500" dirty="0" err="1" smtClean="0">
-                <a:latin typeface="Arial" pitchFamily="34" charset="0"/>
-                <a:cs typeface="Arial" pitchFamily="34" charset="0"/>
-              </a:rPr>
-              <a:t>to</a:t>
-            </a:r>
-            <a:r>
-              <a:rPr lang="pt-BR" sz="3500" dirty="0" smtClean="0">
-                <a:latin typeface="Arial" pitchFamily="34" charset="0"/>
-                <a:cs typeface="Arial" pitchFamily="34" charset="0"/>
-              </a:rPr>
-              <a:t> </a:t>
-            </a:r>
-            <a:r>
-              <a:rPr lang="pt-BR" sz="3500" dirty="0" err="1" smtClean="0">
-                <a:latin typeface="Arial" pitchFamily="34" charset="0"/>
-                <a:cs typeface="Arial" pitchFamily="34" charset="0"/>
-              </a:rPr>
-              <a:t>the</a:t>
-            </a:r>
-            <a:r>
-              <a:rPr lang="pt-BR" sz="3500" dirty="0" smtClean="0">
-                <a:latin typeface="Arial" pitchFamily="34" charset="0"/>
-                <a:cs typeface="Arial" pitchFamily="34" charset="0"/>
-              </a:rPr>
-              <a:t> GUI </a:t>
-            </a:r>
-            <a:r>
-              <a:rPr lang="pt-BR" sz="3500" dirty="0" err="1" smtClean="0">
-                <a:latin typeface="Arial" pitchFamily="34" charset="0"/>
-                <a:cs typeface="Arial" pitchFamily="34" charset="0"/>
-              </a:rPr>
-              <a:t>to</a:t>
-            </a:r>
-            <a:r>
-              <a:rPr lang="pt-BR" sz="3500" dirty="0" smtClean="0">
-                <a:latin typeface="Arial" pitchFamily="34" charset="0"/>
-                <a:cs typeface="Arial" pitchFamily="34" charset="0"/>
-              </a:rPr>
-              <a:t> </a:t>
-            </a:r>
-            <a:r>
-              <a:rPr lang="pt-BR" sz="3500" dirty="0" err="1" smtClean="0">
-                <a:latin typeface="Arial" pitchFamily="34" charset="0"/>
-                <a:cs typeface="Arial" pitchFamily="34" charset="0"/>
-              </a:rPr>
-              <a:t>print</a:t>
-            </a:r>
-            <a:r>
-              <a:rPr lang="pt-BR" sz="3500" dirty="0" smtClean="0">
-                <a:latin typeface="Arial" pitchFamily="34" charset="0"/>
-                <a:cs typeface="Arial" pitchFamily="34" charset="0"/>
-              </a:rPr>
-              <a:t> </a:t>
-            </a:r>
-            <a:r>
-              <a:rPr lang="pt-BR" sz="3500" dirty="0" err="1" smtClean="0">
-                <a:latin typeface="Arial" pitchFamily="34" charset="0"/>
-                <a:cs typeface="Arial" pitchFamily="34" charset="0"/>
-              </a:rPr>
-              <a:t>the</a:t>
-            </a:r>
-            <a:r>
-              <a:rPr lang="pt-BR" sz="3500" dirty="0" smtClean="0">
-                <a:latin typeface="Arial" pitchFamily="34" charset="0"/>
-                <a:cs typeface="Arial" pitchFamily="34" charset="0"/>
-              </a:rPr>
-              <a:t> </a:t>
-            </a:r>
-            <a:r>
-              <a:rPr lang="pt-BR" sz="3500" dirty="0" err="1" smtClean="0">
-                <a:latin typeface="Arial" pitchFamily="34" charset="0"/>
-                <a:cs typeface="Arial" pitchFamily="34" charset="0"/>
-              </a:rPr>
-              <a:t>information</a:t>
-            </a:r>
-            <a:r>
-              <a:rPr lang="pt-BR" sz="3500" dirty="0" smtClean="0">
-                <a:latin typeface="Arial" pitchFamily="34" charset="0"/>
-                <a:cs typeface="Arial" pitchFamily="34" charset="0"/>
-              </a:rPr>
-              <a:t>. </a:t>
-            </a:r>
-            <a:r>
-              <a:rPr lang="pt-BR" sz="3500" dirty="0" err="1" smtClean="0">
-                <a:latin typeface="Arial" pitchFamily="34" charset="0"/>
-                <a:cs typeface="Arial" pitchFamily="34" charset="0"/>
-              </a:rPr>
-              <a:t>Additionaly</a:t>
-            </a:r>
-            <a:r>
-              <a:rPr lang="pt-BR" sz="3500" dirty="0" smtClean="0">
-                <a:latin typeface="Arial" pitchFamily="34" charset="0"/>
-                <a:cs typeface="Arial" pitchFamily="34" charset="0"/>
-              </a:rPr>
-              <a:t>, </a:t>
-            </a:r>
-            <a:r>
-              <a:rPr lang="pt-BR" sz="3500" dirty="0" err="1" smtClean="0">
-                <a:latin typeface="Arial" pitchFamily="34" charset="0"/>
-                <a:cs typeface="Arial" pitchFamily="34" charset="0"/>
-              </a:rPr>
-              <a:t>alarms</a:t>
-            </a:r>
-            <a:r>
-              <a:rPr lang="pt-BR" sz="3500" dirty="0" smtClean="0">
-                <a:latin typeface="Arial" pitchFamily="34" charset="0"/>
-                <a:cs typeface="Arial" pitchFamily="34" charset="0"/>
-              </a:rPr>
-              <a:t> </a:t>
-            </a:r>
-            <a:r>
-              <a:rPr lang="pt-BR" sz="3500" dirty="0" err="1" smtClean="0">
-                <a:latin typeface="Arial" pitchFamily="34" charset="0"/>
-                <a:cs typeface="Arial" pitchFamily="34" charset="0"/>
-              </a:rPr>
-              <a:t>can</a:t>
-            </a:r>
-            <a:r>
-              <a:rPr lang="pt-BR" sz="3500" dirty="0" smtClean="0">
-                <a:latin typeface="Arial" pitchFamily="34" charset="0"/>
-                <a:cs typeface="Arial" pitchFamily="34" charset="0"/>
-              </a:rPr>
-              <a:t> </a:t>
-            </a:r>
-            <a:r>
-              <a:rPr lang="pt-BR" sz="3500" dirty="0" err="1" smtClean="0">
-                <a:latin typeface="Arial" pitchFamily="34" charset="0"/>
-                <a:cs typeface="Arial" pitchFamily="34" charset="0"/>
-              </a:rPr>
-              <a:t>be</a:t>
-            </a:r>
-            <a:r>
-              <a:rPr lang="pt-BR" sz="3500" dirty="0" smtClean="0">
-                <a:latin typeface="Arial" pitchFamily="34" charset="0"/>
-                <a:cs typeface="Arial" pitchFamily="34" charset="0"/>
-              </a:rPr>
-              <a:t> </a:t>
-            </a:r>
-            <a:r>
-              <a:rPr lang="pt-BR" sz="3500" dirty="0" err="1" smtClean="0">
-                <a:latin typeface="Arial" pitchFamily="34" charset="0"/>
-                <a:cs typeface="Arial" pitchFamily="34" charset="0"/>
-              </a:rPr>
-              <a:t>configured</a:t>
-            </a:r>
-            <a:r>
-              <a:rPr lang="pt-BR" sz="3500" dirty="0" smtClean="0">
-                <a:latin typeface="Arial" pitchFamily="34" charset="0"/>
-                <a:cs typeface="Arial" pitchFamily="34" charset="0"/>
-              </a:rPr>
-              <a:t> </a:t>
-            </a:r>
-            <a:r>
-              <a:rPr lang="pt-BR" sz="3500" dirty="0" err="1" smtClean="0">
-                <a:latin typeface="Arial" pitchFamily="34" charset="0"/>
-                <a:cs typeface="Arial" pitchFamily="34" charset="0"/>
-              </a:rPr>
-              <a:t>and</a:t>
-            </a:r>
-            <a:r>
-              <a:rPr lang="pt-BR" sz="3500" dirty="0" smtClean="0">
-                <a:latin typeface="Arial" pitchFamily="34" charset="0"/>
-                <a:cs typeface="Arial" pitchFamily="34" charset="0"/>
-              </a:rPr>
-              <a:t> </a:t>
-            </a:r>
-            <a:r>
-              <a:rPr lang="pt-BR" sz="3500" dirty="0" err="1" smtClean="0">
-                <a:latin typeface="Arial" pitchFamily="34" charset="0"/>
-                <a:cs typeface="Arial" pitchFamily="34" charset="0"/>
-              </a:rPr>
-              <a:t>all</a:t>
-            </a:r>
-            <a:r>
-              <a:rPr lang="pt-BR" sz="3500" dirty="0" smtClean="0">
-                <a:latin typeface="Arial" pitchFamily="34" charset="0"/>
-                <a:cs typeface="Arial" pitchFamily="34" charset="0"/>
-              </a:rPr>
-              <a:t> </a:t>
-            </a:r>
-            <a:r>
-              <a:rPr lang="pt-BR" sz="3500" dirty="0" err="1" smtClean="0">
-                <a:latin typeface="Arial" pitchFamily="34" charset="0"/>
-                <a:cs typeface="Arial" pitchFamily="34" charset="0"/>
-              </a:rPr>
-              <a:t>the</a:t>
-            </a:r>
-            <a:r>
-              <a:rPr lang="pt-BR" sz="3500" dirty="0" smtClean="0">
-                <a:latin typeface="Arial" pitchFamily="34" charset="0"/>
-                <a:cs typeface="Arial" pitchFamily="34" charset="0"/>
-              </a:rPr>
-              <a:t> medical </a:t>
-            </a:r>
-            <a:r>
-              <a:rPr lang="pt-BR" sz="3500" dirty="0" err="1" smtClean="0">
-                <a:latin typeface="Arial" pitchFamily="34" charset="0"/>
-                <a:cs typeface="Arial" pitchFamily="34" charset="0"/>
-              </a:rPr>
-              <a:t>information</a:t>
-            </a:r>
-            <a:r>
-              <a:rPr lang="pt-BR" sz="3500" dirty="0" smtClean="0">
-                <a:latin typeface="Arial" pitchFamily="34" charset="0"/>
-                <a:cs typeface="Arial" pitchFamily="34" charset="0"/>
-              </a:rPr>
-              <a:t> </a:t>
-            </a:r>
-            <a:r>
-              <a:rPr lang="pt-BR" sz="3500" dirty="0" err="1" smtClean="0">
-                <a:latin typeface="Arial" pitchFamily="34" charset="0"/>
-                <a:cs typeface="Arial" pitchFamily="34" charset="0"/>
-              </a:rPr>
-              <a:t>has</a:t>
-            </a:r>
-            <a:r>
-              <a:rPr lang="pt-BR" sz="3500" dirty="0" smtClean="0">
-                <a:latin typeface="Arial" pitchFamily="34" charset="0"/>
-                <a:cs typeface="Arial" pitchFamily="34" charset="0"/>
-              </a:rPr>
-              <a:t> </a:t>
-            </a:r>
-            <a:r>
-              <a:rPr lang="pt-BR" sz="3500" dirty="0" err="1" smtClean="0">
-                <a:latin typeface="Arial" pitchFamily="34" charset="0"/>
-                <a:cs typeface="Arial" pitchFamily="34" charset="0"/>
-              </a:rPr>
-              <a:t>been</a:t>
-            </a:r>
-            <a:r>
-              <a:rPr lang="pt-BR" sz="3500" dirty="0" smtClean="0">
-                <a:latin typeface="Arial" pitchFamily="34" charset="0"/>
-                <a:cs typeface="Arial" pitchFamily="34" charset="0"/>
-              </a:rPr>
-              <a:t> </a:t>
-            </a:r>
-            <a:r>
-              <a:rPr lang="pt-BR" sz="3500" dirty="0" err="1" smtClean="0">
-                <a:latin typeface="Arial" pitchFamily="34" charset="0"/>
-                <a:cs typeface="Arial" pitchFamily="34" charset="0"/>
-              </a:rPr>
-              <a:t>parsed</a:t>
-            </a:r>
-            <a:r>
-              <a:rPr lang="pt-BR" sz="3500" dirty="0" smtClean="0">
-                <a:latin typeface="Arial" pitchFamily="34" charset="0"/>
-                <a:cs typeface="Arial" pitchFamily="34" charset="0"/>
-              </a:rPr>
-              <a:t> </a:t>
-            </a:r>
-            <a:r>
-              <a:rPr lang="pt-BR" sz="3500" dirty="0" err="1" smtClean="0">
-                <a:latin typeface="Arial" pitchFamily="34" charset="0"/>
-                <a:cs typeface="Arial" pitchFamily="34" charset="0"/>
-              </a:rPr>
-              <a:t>to</a:t>
-            </a:r>
-            <a:r>
-              <a:rPr lang="pt-BR" sz="3500" dirty="0" smtClean="0">
-                <a:latin typeface="Arial" pitchFamily="34" charset="0"/>
-                <a:cs typeface="Arial" pitchFamily="34" charset="0"/>
-              </a:rPr>
-              <a:t> HL7 standards [4]. </a:t>
-            </a:r>
-          </a:p>
-          <a:p>
-            <a:pPr algn="just"/>
-            <a:r>
-              <a:rPr lang="pt-BR" sz="3500" dirty="0" smtClean="0">
-                <a:latin typeface="Arial" pitchFamily="34" charset="0"/>
-                <a:cs typeface="Arial" pitchFamily="34" charset="0"/>
-              </a:rPr>
-              <a:t>Figure </a:t>
-            </a:r>
-            <a:r>
               <a:rPr lang="pt-BR" sz="3500" dirty="0">
                 <a:latin typeface="Arial" pitchFamily="34" charset="0"/>
                 <a:cs typeface="Arial" pitchFamily="34" charset="0"/>
               </a:rPr>
-              <a:t>2 </a:t>
+              <a:t> </a:t>
             </a:r>
             <a:r>
               <a:rPr lang="pt-BR" sz="3500" dirty="0" err="1">
                 <a:latin typeface="Arial" pitchFamily="34" charset="0"/>
                 <a:cs typeface="Arial" pitchFamily="34" charset="0"/>
               </a:rPr>
-              <a:t>presents</a:t>
+              <a:t>developed</a:t>
             </a:r>
             <a:r>
               <a:rPr lang="pt-BR" sz="3500" dirty="0">
                 <a:latin typeface="Arial" pitchFamily="34" charset="0"/>
                 <a:cs typeface="Arial" pitchFamily="34" charset="0"/>
               </a:rPr>
-              <a:t> </a:t>
-            </a:r>
-            <a:r>
-              <a:rPr lang="pt-BR" sz="3500" dirty="0" err="1">
-                <a:latin typeface="Arial" pitchFamily="34" charset="0"/>
-                <a:cs typeface="Arial" pitchFamily="34" charset="0"/>
-              </a:rPr>
-              <a:t>the</a:t>
-            </a:r>
-            <a:r>
-              <a:rPr lang="pt-BR" sz="3500" dirty="0">
-                <a:latin typeface="Arial" pitchFamily="34" charset="0"/>
-                <a:cs typeface="Arial" pitchFamily="34" charset="0"/>
-              </a:rPr>
-              <a:t> </a:t>
-            </a:r>
-            <a:r>
-              <a:rPr lang="pt-BR" sz="3500" dirty="0" err="1">
-                <a:latin typeface="Arial" pitchFamily="34" charset="0"/>
-                <a:cs typeface="Arial" pitchFamily="34" charset="0"/>
-              </a:rPr>
-              <a:t>block</a:t>
-            </a:r>
-            <a:r>
-              <a:rPr lang="pt-BR" sz="3500" dirty="0">
-                <a:latin typeface="Arial" pitchFamily="34" charset="0"/>
-                <a:cs typeface="Arial" pitchFamily="34" charset="0"/>
-              </a:rPr>
-              <a:t> </a:t>
-            </a:r>
-            <a:r>
-              <a:rPr lang="pt-BR" sz="3500" dirty="0" err="1">
-                <a:latin typeface="Arial" pitchFamily="34" charset="0"/>
-                <a:cs typeface="Arial" pitchFamily="34" charset="0"/>
-              </a:rPr>
-              <a:t>diagram</a:t>
-            </a:r>
-            <a:r>
-              <a:rPr lang="pt-BR" sz="3500" dirty="0">
-                <a:latin typeface="Arial" pitchFamily="34" charset="0"/>
-                <a:cs typeface="Arial" pitchFamily="34" charset="0"/>
-              </a:rPr>
-              <a:t> </a:t>
-            </a:r>
-            <a:r>
-              <a:rPr lang="pt-BR" sz="3500" dirty="0" err="1">
-                <a:latin typeface="Arial" pitchFamily="34" charset="0"/>
-                <a:cs typeface="Arial" pitchFamily="34" charset="0"/>
-              </a:rPr>
-              <a:t>of</a:t>
-            </a:r>
-            <a:r>
-              <a:rPr lang="pt-BR" sz="3500" dirty="0">
-                <a:latin typeface="Arial" pitchFamily="34" charset="0"/>
-                <a:cs typeface="Arial" pitchFamily="34" charset="0"/>
-              </a:rPr>
-              <a:t> </a:t>
-            </a:r>
-            <a:r>
-              <a:rPr lang="pt-BR" sz="3500" dirty="0" err="1">
-                <a:latin typeface="Arial" pitchFamily="34" charset="0"/>
-                <a:cs typeface="Arial" pitchFamily="34" charset="0"/>
-              </a:rPr>
-              <a:t>the</a:t>
-            </a:r>
-            <a:r>
-              <a:rPr lang="pt-BR" sz="3500" dirty="0">
-                <a:latin typeface="Arial" pitchFamily="34" charset="0"/>
-                <a:cs typeface="Arial" pitchFamily="34" charset="0"/>
-              </a:rPr>
-              <a:t> </a:t>
-            </a:r>
-            <a:r>
-              <a:rPr lang="pt-BR" sz="3500" dirty="0" err="1">
-                <a:latin typeface="Arial" pitchFamily="34" charset="0"/>
-                <a:cs typeface="Arial" pitchFamily="34" charset="0"/>
-              </a:rPr>
-              <a:t>developed</a:t>
-            </a:r>
-            <a:r>
-              <a:rPr lang="pt-BR" sz="3500" dirty="0">
-                <a:latin typeface="Arial" pitchFamily="34" charset="0"/>
-                <a:cs typeface="Arial" pitchFamily="34" charset="0"/>
-              </a:rPr>
               <a:t> system.</a:t>
             </a:r>
-            <a:endParaRPr lang="pt-BR" sz="3500" dirty="0">
-              <a:latin typeface="Arial" pitchFamily="34" charset="0"/>
-              <a:cs typeface="Arial" pitchFamily="34" charset="0"/>
-            </a:endParaRPr>
           </a:p>
         </p:txBody>
       </p:sp>
@@ -9608,60 +9414,6 @@
           </a:extLst>
         </p:spPr>
       </p:pic>
-      <p:pic>
-        <p:nvPicPr>
-          <p:cNvPr id="1037" name="Picture 13"/>
-          <p:cNvPicPr>
-            <a:picLocks noChangeAspect="1" noChangeArrowheads="1"/>
-          </p:cNvPicPr>
-          <p:nvPr/>
-        </p:nvPicPr>
-        <p:blipFill>
-          <a:blip r:embed="rId14">
-            <a:extLst>
-              <a:ext uri="{28A0092B-C50C-407E-A947-70E740481C1C}">
-                <a14:useLocalDpi xmlns:a14="http://schemas.microsoft.com/office/drawing/2010/main" val="0"/>
-              </a:ext>
-            </a:extLst>
-          </a:blip>
-          <a:srcRect/>
-          <a:stretch>
-            <a:fillRect/>
-          </a:stretch>
-        </p:blipFill>
-        <p:spPr bwMode="auto">
-          <a:xfrm>
-            <a:off x="2880545" y="29996429"/>
-            <a:ext cx="10648756" cy="11275844"/>
-          </a:xfrm>
-          <a:prstGeom prst="rect">
-            <a:avLst/>
-          </a:prstGeom>
-          <a:noFill/>
-          <a:ln>
-            <a:noFill/>
-          </a:ln>
-          <a:extLst>
-            <a:ext uri="{909E8E84-426E-40DD-AFC4-6F175D3DCCD1}">
-              <a14:hiddenFill xmlns:a14="http://schemas.microsoft.com/office/drawing/2010/main">
-                <a:solidFill>
-                  <a:schemeClr val="accent1"/>
-                </a:solidFill>
-              </a14:hiddenFill>
-            </a:ext>
-            <a:ext uri="{91240B29-F687-4F45-9708-019B960494DF}">
-              <a14:hiddenLine xmlns:a14="http://schemas.microsoft.com/office/drawing/2010/main" w="9525">
-                <a:solidFill>
-                  <a:schemeClr val="tx1"/>
-                </a:solidFill>
-                <a:miter lim="800000"/>
-                <a:headEnd/>
-                <a:tailEnd/>
-              </a14:hiddenLine>
-            </a:ext>
-          </a:extLst>
-        </p:spPr>
-      </p:pic>
       <p:sp>
         <p:nvSpPr>
           <p:cNvPr id="56" name="CaixaDeTexto 55"/>
@@ -9868,39 +9620,32 @@
               <a:t>of</a:t>
             </a:r>
             <a:r>
+              <a:rPr lang="pt-BR" sz="3500">
+                <a:latin typeface="Arial" pitchFamily="34" charset="0"/>
+                <a:cs typeface="Arial" pitchFamily="34" charset="0"/>
+              </a:rPr>
+              <a:t> </a:t>
+            </a:r>
+            <a:r>
+              <a:rPr lang="pt-BR" sz="3500" smtClean="0">
+                <a:latin typeface="Arial" pitchFamily="34" charset="0"/>
+                <a:cs typeface="Arial" pitchFamily="34" charset="0"/>
+              </a:rPr>
+              <a:t>numerous</a:t>
+            </a:r>
+            <a:r>
+              <a:rPr lang="pt-BR" sz="3500" dirty="0" smtClean="0">
+                <a:latin typeface="Arial" pitchFamily="34" charset="0"/>
+                <a:cs typeface="Arial" pitchFamily="34" charset="0"/>
+              </a:rPr>
+              <a:t> </a:t>
+            </a:r>
+            <a:r>
               <a:rPr lang="pt-BR" sz="3500" dirty="0">
                 <a:latin typeface="Arial" pitchFamily="34" charset="0"/>
                 <a:cs typeface="Arial" pitchFamily="34" charset="0"/>
               </a:rPr>
-              <a:t> </a:t>
-            </a:r>
-            <a:r>
-              <a:rPr lang="pt-BR" sz="3500" dirty="0" err="1">
-                <a:latin typeface="Arial" pitchFamily="34" charset="0"/>
-                <a:cs typeface="Arial" pitchFamily="34" charset="0"/>
-              </a:rPr>
-              <a:t>the</a:t>
-            </a:r>
-            <a:r>
-              <a:rPr lang="pt-BR" sz="3500" dirty="0">
-                <a:latin typeface="Arial" pitchFamily="34" charset="0"/>
-                <a:cs typeface="Arial" pitchFamily="34" charset="0"/>
-              </a:rPr>
-              <a:t> </a:t>
-            </a:r>
-            <a:r>
-              <a:rPr lang="pt-BR" sz="3500" dirty="0" err="1">
-                <a:latin typeface="Arial" pitchFamily="34" charset="0"/>
-                <a:cs typeface="Arial" pitchFamily="34" charset="0"/>
-              </a:rPr>
-              <a:t>numberous</a:t>
-            </a:r>
-            <a:r>
-              <a:rPr lang="pt-BR" sz="3500" dirty="0">
-                <a:latin typeface="Arial" pitchFamily="34" charset="0"/>
-                <a:cs typeface="Arial" pitchFamily="34" charset="0"/>
-              </a:rPr>
-              <a:t> frameworks </a:t>
+              <a:t>frameworks </a:t>
             </a:r>
             <a:r>
               <a:rPr lang="pt-BR" sz="3500" dirty="0" err="1">
@@ -10453,7 +10198,7 @@
           <p:nvPr/>
         </p:nvPicPr>
         <p:blipFill>
-          <a:blip r:embed="rId15">
+          <a:blip r:embed="rId14">
             <a:extLst>
               <a:ext uri="{28A0092B-C50C-407E-A947-70E740481C1C}">
                 <a14:useLocalDpi xmlns:a14="http://schemas.microsoft.com/office/drawing/2010/main" val="0"/>
@@ -10507,7 +10252,7 @@
           <p:nvPr/>
         </p:nvPicPr>
         <p:blipFill>
-          <a:blip r:embed="rId16">
+          <a:blip r:embed="rId15">
             <a:extLst>
               <a:ext uri="{28A0092B-C50C-407E-A947-70E740481C1C}">
                 <a14:useLocalDpi xmlns:a14="http://schemas.microsoft.com/office/drawing/2010/main" val="0"/>
@@ -10696,6 +10441,187 @@
           </a:p>
         </p:txBody>
       </p:sp>
+      <p:grpSp>
+        <p:nvGrpSpPr>
+          <p:cNvPr id="47" name="Grupo 46"/>
+          <p:cNvGrpSpPr/>
+          <p:nvPr/>
+        </p:nvGrpSpPr>
+        <p:grpSpPr>
+          <a:xfrm>
+            <a:off x="17376549" y="26316901"/>
+            <a:ext cx="14636284" cy="864096"/>
+            <a:chOff x="720280" y="7201050"/>
+            <a:chExt cx="12961440" cy="720080"/>
+          </a:xfrm>
+          <a:gradFill flip="none" rotWithShape="1">
+            <a:gsLst>
+              <a:gs pos="0">
+                <a:srgbClr val="6FA0DB"/>
+              </a:gs>
+              <a:gs pos="100000">
+                <a:schemeClr val="tx2">
+                  <a:lumMod val="40000"/>
+                  <a:lumOff val="60000"/>
+                </a:schemeClr>
+              </a:gs>
+              <a:gs pos="100000">
+                <a:schemeClr val="accent1">
+                  <a:tint val="23500"/>
+                  <a:satMod val="160000"/>
+                </a:schemeClr>
+              </a:gs>
+            </a:gsLst>
+            <a:lin ang="5400000" scaled="1"/>
+            <a:tileRect/>
+          </a:gradFill>
+          <a:effectLst/>
+        </p:grpSpPr>
+        <p:sp>
+          <p:nvSpPr>
+            <p:cNvPr id="52" name="Retângulo 51"/>
+            <p:cNvSpPr/>
+            <p:nvPr/>
+          </p:nvSpPr>
+          <p:spPr>
+            <a:xfrm>
+              <a:off x="720280" y="7201050"/>
+              <a:ext cx="12961440" cy="720080"/>
+            </a:xfrm>
+            <a:prstGeom prst="rect">
+              <a:avLst/>
+            </a:prstGeom>
+            <a:grpFill/>
+            <a:ln>
+              <a:noFill/>
+            </a:ln>
+          </p:spPr>
+          <p:style>
+            <a:lnRef idx="2">
+              <a:schemeClr val="accent1">
+                <a:shade val="50000"/>
+              </a:schemeClr>
+            </a:lnRef>
+            <a:fillRef idx="1">
+              <a:schemeClr val="accent1"/>
+            </a:fillRef>
+            <a:effectRef idx="0">
+              <a:schemeClr val="accent1"/>
+            </a:effectRef>
+            <a:fontRef idx="minor">
+              <a:schemeClr val="lt1"/>
+            </a:fontRef>
+          </p:style>
+          <p:txBody>
+            <a:bodyPr rtlCol="0" anchor="ctr"/>
+            <a:lstStyle/>
+            <a:p>
+              <a:pPr algn="ctr"/>
+              <a:endParaRPr lang="pt-BR"/>
+            </a:p>
+          </p:txBody>
+        </p:sp>
+        <p:sp>
+          <p:nvSpPr>
+            <p:cNvPr id="53" name="CaixaDeTexto 52"/>
+            <p:cNvSpPr txBox="1"/>
+            <p:nvPr/>
+          </p:nvSpPr>
+          <p:spPr>
+            <a:xfrm>
+              <a:off x="720280" y="7201050"/>
+              <a:ext cx="12961440" cy="679673"/>
+            </a:xfrm>
+            <a:prstGeom prst="rect">
+              <a:avLst/>
+            </a:prstGeom>
+            <a:grpFill/>
+            <a:ln>
+              <a:noFill/>
+            </a:ln>
+          </p:spPr>
+          <p:txBody>
+            <a:bodyPr wrap="square" rtlCol="0">
+              <a:spAutoFit/>
+            </a:bodyPr>
+            <a:lstStyle/>
+            <a:p>
+              <a:pPr algn="ctr"/>
+              <a:r>
+                <a:rPr lang="pt-BR" sz="4700" b="1" dirty="0" smtClean="0">
+                  <a:solidFill>
+                    <a:schemeClr val="bg1"/>
+                  </a:solidFill>
+                  <a:latin typeface="Arial" pitchFamily="34" charset="0"/>
+                  <a:cs typeface="Arial" pitchFamily="34" charset="0"/>
+                </a:rPr>
+                <a:t>DISCUSSION AND CONCLUSION</a:t>
+              </a:r>
+              <a:endParaRPr lang="pt-BR" sz="4700" b="1" dirty="0">
+                <a:solidFill>
+                  <a:schemeClr val="bg1"/>
+                </a:solidFill>
+                <a:latin typeface="Arial" pitchFamily="34" charset="0"/>
+                <a:cs typeface="Arial" pitchFamily="34" charset="0"/>
+              </a:endParaRPr>
+            </a:p>
+          </p:txBody>
+        </p:sp>
+      </p:grpSp>
+      <p:pic>
+        <p:nvPicPr>
+          <p:cNvPr id="6" name="Picture 2"/>
+          <p:cNvPicPr>
+            <a:picLocks noChangeAspect="1" noChangeArrowheads="1"/>
+          </p:cNvPicPr>
+          <p:nvPr/>
+        </p:nvPicPr>
+        <p:blipFill>
+          <a:blip r:embed="rId16">
+            <a:extLst>
+              <a:ext uri="{28A0092B-C50C-407E-A947-70E740481C1C}">
+                <a14:useLocalDpi xmlns:a14="http://schemas.microsoft.com/office/drawing/2010/main" val="0"/>
+              </a:ext>
+            </a:extLst>
+          </a:blip>
+          <a:srcRect/>
+          <a:stretch>
+            <a:fillRect/>
+          </a:stretch>
+        </p:blipFill>
+        <p:spPr bwMode="auto">
+          <a:xfrm>
+            <a:off x="2513467" y="30150296"/>
+            <a:ext cx="11287458" cy="11102320"/>
+          </a:xfrm>
+          <a:prstGeom prst="rect">
+            <a:avLst/>
+          </a:prstGeom>
+          <a:noFill/>
+          <a:ln>
+            <a:noFill/>
+          </a:ln>
+          <a:extLst>
+            <a:ext uri="{909E8E84-426E-40DD-AFC4-6F175D3DCCD1}">
+              <a14:hiddenFill xmlns:a14="http://schemas.microsoft.com/office/drawing/2010/main">
+                <a:solidFill>
+                  <a:schemeClr val="accent1"/>
+                </a:solidFill>
+              </a14:hiddenFill>
+            </a:ext>
+            <a:ext uri="{91240B29-F687-4F45-9708-019B960494DF}">
+              <a14:hiddenLine xmlns:a14="http://schemas.microsoft.com/office/drawing/2010/main" w="9525">
+                <a:solidFill>
+                  <a:schemeClr val="tx1"/>
+                </a:solidFill>
+                <a:miter lim="800000"/>
+                <a:headEnd/>
+                <a:tailEnd/>
+              </a14:hiddenLine>
+            </a:ext>
+          </a:extLst>
+        </p:spPr>
+      </p:pic>
     </p:spTree>
     <p:extLst>
       <p:ext uri="{BB962C8B-B14F-4D97-AF65-F5344CB8AC3E}">

--- a/documentation/banner/banner_sbesc.pptx
+++ b/documentation/banner/banner_sbesc.pptx
@@ -4136,21 +4136,7 @@
                 <a:latin typeface="Times New Roman" pitchFamily="18" charset="0"/>
                 <a:cs typeface="Times New Roman" pitchFamily="18" charset="0"/>
               </a:rPr>
-              <a:t>andrei.ufu@gmail.com, </a:t>
-            </a:r>
-            <a:r>
-              <a:rPr lang="pt-BR" sz="4700" b="1" dirty="0" smtClean="0">
-                <a:latin typeface="Times New Roman" pitchFamily="18" charset="0"/>
-                <a:cs typeface="Times New Roman" pitchFamily="18" charset="0"/>
-              </a:rPr>
-              <a:t>dtgmariano@gmail.com, </a:t>
-            </a:r>
-            <a:r>
-              <a:rPr lang="pt-BR" sz="4700" b="1" dirty="0" smtClean="0">
-                <a:latin typeface="Times New Roman" pitchFamily="18" charset="0"/>
-                <a:cs typeface="Times New Roman" pitchFamily="18" charset="0"/>
-              </a:rPr>
-              <a:t>nicolailinhares@gmail.com,</a:t>
+              <a:t>andrei.ufu@gmail.com, dtgmariano@gmail.com, nicolailinhares@gmail.com,</a:t>
             </a:r>
             <a:endParaRPr lang="pt-BR" sz="4700" dirty="0">
               <a:latin typeface="Times New Roman" pitchFamily="18" charset="0"/>
@@ -4548,8 +4534,8 @@
         </p:nvGrpSpPr>
         <p:grpSpPr>
           <a:xfrm>
-            <a:off x="16925335" y="38747820"/>
-            <a:ext cx="14581620" cy="864096"/>
+            <a:off x="17148334" y="38723576"/>
+            <a:ext cx="14747911" cy="864096"/>
             <a:chOff x="720280" y="7201050"/>
             <a:chExt cx="12961440" cy="720080"/>
           </a:xfrm>
@@ -5388,14 +5374,7 @@
                 <a:latin typeface="Arial" pitchFamily="34" charset="0"/>
                 <a:cs typeface="Arial" pitchFamily="34" charset="0"/>
               </a:rPr>
-              <a:t> </a:t>
-            </a:r>
-            <a:r>
-              <a:rPr lang="pt-BR" sz="3500" dirty="0" smtClean="0">
-                <a:latin typeface="Arial" pitchFamily="34" charset="0"/>
-                <a:cs typeface="Arial" pitchFamily="34" charset="0"/>
-              </a:rPr>
-              <a:t>ICU </a:t>
+              <a:t> ICU </a:t>
             </a:r>
             <a:r>
               <a:rPr lang="pt-BR" sz="3500" dirty="0" err="1" smtClean="0">
@@ -7088,21 +7067,7 @@
                 <a:latin typeface="Arial" pitchFamily="34" charset="0"/>
                 <a:cs typeface="Arial" pitchFamily="34" charset="0"/>
               </a:rPr>
-              <a:t> network </a:t>
-            </a:r>
-            <a:r>
-              <a:rPr lang="pt-BR" sz="3500" dirty="0" smtClean="0">
-                <a:latin typeface="Arial" pitchFamily="34" charset="0"/>
-                <a:cs typeface="Arial" pitchFamily="34" charset="0"/>
-              </a:rPr>
-              <a:t>communication. The </a:t>
-            </a:r>
-            <a:r>
-              <a:rPr lang="pt-BR" sz="3500" dirty="0" smtClean="0">
-                <a:latin typeface="Arial" pitchFamily="34" charset="0"/>
-                <a:cs typeface="Arial" pitchFamily="34" charset="0"/>
-              </a:rPr>
-              <a:t>use </a:t>
+              <a:t> network communication. The use </a:t>
             </a:r>
             <a:r>
               <a:rPr lang="pt-BR" sz="3500" dirty="0" err="1" smtClean="0">
@@ -7434,14 +7399,7 @@
                 <a:latin typeface="Arial" pitchFamily="34" charset="0"/>
                 <a:cs typeface="Arial" pitchFamily="34" charset="0"/>
               </a:rPr>
-              <a:t> crucial </a:t>
-            </a:r>
-            <a:r>
-              <a:rPr lang="pt-BR" sz="3500" dirty="0" smtClean="0">
-                <a:latin typeface="Arial" pitchFamily="34" charset="0"/>
-                <a:cs typeface="Arial" pitchFamily="34" charset="0"/>
-              </a:rPr>
-              <a:t>for </a:t>
+              <a:t> crucial for </a:t>
             </a:r>
             <a:r>
               <a:rPr lang="pt-BR" sz="3500" dirty="0" err="1" smtClean="0">
@@ -8164,14 +8122,7 @@
                 <a:latin typeface="Arial" pitchFamily="34" charset="0"/>
                 <a:cs typeface="Arial" pitchFamily="34" charset="0"/>
               </a:rPr>
-              <a:t> </a:t>
-            </a:r>
-            <a:r>
-              <a:rPr lang="pt-BR" sz="3500" dirty="0" smtClean="0">
-                <a:latin typeface="Arial" pitchFamily="34" charset="0"/>
-                <a:cs typeface="Arial" pitchFamily="34" charset="0"/>
-              </a:rPr>
-              <a:t>server, via network communication. The later </a:t>
+              <a:t> server, via network communication. The later </a:t>
             </a:r>
             <a:r>
               <a:rPr lang="pt-BR" sz="3500" dirty="0" err="1" smtClean="0">
@@ -8929,7 +8880,7 @@
         </p:nvSpPr>
         <p:spPr>
           <a:xfrm>
-            <a:off x="16925335" y="39605077"/>
+            <a:off x="17421409" y="39605077"/>
             <a:ext cx="14546563" cy="2539151"/>
           </a:xfrm>
           <a:prstGeom prst="rect">
@@ -10212,7 +10163,7 @@
         </p:blipFill>
         <p:spPr bwMode="auto">
           <a:xfrm>
-            <a:off x="18262440" y="9371496"/>
+            <a:off x="17974844" y="9361223"/>
             <a:ext cx="13439691" cy="8006682"/>
           </a:xfrm>
           <a:prstGeom prst="rect">
@@ -10266,7 +10217,7 @@
         </p:blipFill>
         <p:spPr bwMode="auto">
           <a:xfrm>
-            <a:off x="18354295" y="18290331"/>
+            <a:off x="18060067" y="18290331"/>
             <a:ext cx="13152660" cy="7125039"/>
           </a:xfrm>
           <a:prstGeom prst="rect">
@@ -10450,7 +10401,7 @@
         <p:grpSpPr>
           <a:xfrm>
             <a:off x="17376549" y="26316901"/>
-            <a:ext cx="14636284" cy="864096"/>
+            <a:ext cx="14519696" cy="864096"/>
             <a:chOff x="720280" y="7201050"/>
             <a:chExt cx="12961440" cy="720080"/>
           </a:xfrm>
